--- a/notes/10-VMs-Disco-Xen.pptx
+++ b/notes/10-VMs-Disco-Xen.pptx
@@ -52,7 +52,7 @@
     <p:sldId id="1347" r:id="rId40"/>
     <p:sldId id="1346" r:id="rId41"/>
     <p:sldId id="1348" r:id="rId42"/>
-    <p:sldId id="1338" r:id="rId43"/>
+    <p:sldId id="1349" r:id="rId43"/>
   </p:sldIdLst>
   <p:sldSz cx="9144000" cy="5143500" type="screen16x9"/>
   <p:notesSz cx="6858000" cy="9144000"/>
@@ -309,7 +309,7 @@
             <a:fld id="{77976391-CA72-415F-9630-5C942629CBBC}" type="datetimeFigureOut">
               <a:rPr lang="en-US" altLang="en-US"/>
               <a:pPr/>
-              <a:t>10/1/16</a:t>
+              <a:t>10/12/16</a:t>
             </a:fld>
             <a:endParaRPr lang="en-US" altLang="en-US"/>
           </a:p>
@@ -514,7 +514,7 @@
             <a:fld id="{89B14504-7E73-40B3-A4BE-FCEED13BF409}" type="datetimeFigureOut">
               <a:rPr lang="en-US" altLang="en-US"/>
               <a:pPr/>
-              <a:t>10/1/16</a:t>
+              <a:t>10/12/16</a:t>
             </a:fld>
             <a:endParaRPr lang="en-US" altLang="en-US"/>
           </a:p>
@@ -1599,7 +1599,7 @@
           <a:graphicData uri="http://schemas.openxmlformats.org/presentationml/2006/ole">
             <mc:AlternateContent xmlns:mc="http://schemas.openxmlformats.org/markup-compatibility/2006">
               <mc:Choice xmlns:v="urn:schemas-microsoft-com:vml" Requires="v">
-                <p:oleObj spid="_x0000_s1632" r:id="rId4" imgW="7271927" imgH="3492719" progId="Excel.Chart.8">
+                <p:oleObj spid="_x0000_s1636" r:id="rId4" imgW="7271927" imgH="3492719" progId="Excel.Chart.8">
                   <p:embed/>
                 </p:oleObj>
               </mc:Choice>
@@ -6362,347 +6362,6 @@
 </p:sldLayout>
 </file>
 
-<file path=ppt/slideLayouts/slideLayout15.xml><?xml version="1.0" encoding="utf-8"?>
-<p:sldLayout xmlns:a="http://schemas.openxmlformats.org/drawingml/2006/main" xmlns:r="http://schemas.openxmlformats.org/officeDocument/2006/relationships" xmlns:p="http://schemas.openxmlformats.org/presentationml/2006/main" type="objAndTwoObj">
-  <p:cSld name="Title, Content, and 2 Content">
-    <p:spTree>
-      <p:nvGrpSpPr>
-        <p:cNvPr id="1" name=""/>
-        <p:cNvGrpSpPr/>
-        <p:nvPr/>
-      </p:nvGrpSpPr>
-      <p:grpSpPr>
-        <a:xfrm>
-          <a:off x="0" y="0"/>
-          <a:ext cx="0" cy="0"/>
-          <a:chOff x="0" y="0"/>
-          <a:chExt cx="0" cy="0"/>
-        </a:xfrm>
-      </p:grpSpPr>
-      <p:sp>
-        <p:nvSpPr>
-          <p:cNvPr id="2" name="Title 1"/>
-          <p:cNvSpPr>
-            <a:spLocks noGrp="1"/>
-          </p:cNvSpPr>
-          <p:nvPr>
-            <p:ph type="title"/>
-          </p:nvPr>
-        </p:nvSpPr>
-        <p:spPr>
-          <a:xfrm>
-            <a:off x="457200" y="205979"/>
-            <a:ext cx="8229600" cy="857250"/>
-          </a:xfrm>
-        </p:spPr>
-        <p:txBody>
-          <a:bodyPr/>
-          <a:lstStyle/>
-          <a:p>
-            <a:r>
-              <a:rPr lang="en-US" smtClean="0"/>
-              <a:t>Click to edit Master title style</a:t>
-            </a:r>
-            <a:endParaRPr lang="en-US"/>
-          </a:p>
-        </p:txBody>
-      </p:sp>
-      <p:sp>
-        <p:nvSpPr>
-          <p:cNvPr id="3" name="Content Placeholder 2"/>
-          <p:cNvSpPr>
-            <a:spLocks noGrp="1"/>
-          </p:cNvSpPr>
-          <p:nvPr>
-            <p:ph sz="half" idx="1"/>
-          </p:nvPr>
-        </p:nvSpPr>
-        <p:spPr>
-          <a:xfrm>
-            <a:off x="457200" y="1200151"/>
-            <a:ext cx="4038600" cy="3394472"/>
-          </a:xfrm>
-        </p:spPr>
-        <p:txBody>
-          <a:bodyPr/>
-          <a:lstStyle/>
-          <a:p>
-            <a:pPr lvl="0"/>
-            <a:r>
-              <a:rPr lang="en-US" smtClean="0"/>
-              <a:t>Click to edit Master text styles</a:t>
-            </a:r>
-          </a:p>
-          <a:p>
-            <a:pPr lvl="1"/>
-            <a:r>
-              <a:rPr lang="en-US" smtClean="0"/>
-              <a:t>Second level</a:t>
-            </a:r>
-          </a:p>
-          <a:p>
-            <a:pPr lvl="2"/>
-            <a:r>
-              <a:rPr lang="en-US" smtClean="0"/>
-              <a:t>Third level</a:t>
-            </a:r>
-          </a:p>
-          <a:p>
-            <a:pPr lvl="3"/>
-            <a:r>
-              <a:rPr lang="en-US" smtClean="0"/>
-              <a:t>Fourth level</a:t>
-            </a:r>
-          </a:p>
-          <a:p>
-            <a:pPr lvl="4"/>
-            <a:r>
-              <a:rPr lang="en-US" smtClean="0"/>
-              <a:t>Fifth level</a:t>
-            </a:r>
-            <a:endParaRPr lang="en-US"/>
-          </a:p>
-        </p:txBody>
-      </p:sp>
-      <p:sp>
-        <p:nvSpPr>
-          <p:cNvPr id="4" name="Content Placeholder 3"/>
-          <p:cNvSpPr>
-            <a:spLocks noGrp="1"/>
-          </p:cNvSpPr>
-          <p:nvPr>
-            <p:ph sz="quarter" idx="2"/>
-          </p:nvPr>
-        </p:nvSpPr>
-        <p:spPr>
-          <a:xfrm>
-            <a:off x="4648200" y="1200150"/>
-            <a:ext cx="4038600" cy="1639491"/>
-          </a:xfrm>
-        </p:spPr>
-        <p:txBody>
-          <a:bodyPr/>
-          <a:lstStyle/>
-          <a:p>
-            <a:pPr lvl="0"/>
-            <a:r>
-              <a:rPr lang="en-US" smtClean="0"/>
-              <a:t>Click to edit Master text styles</a:t>
-            </a:r>
-          </a:p>
-          <a:p>
-            <a:pPr lvl="1"/>
-            <a:r>
-              <a:rPr lang="en-US" smtClean="0"/>
-              <a:t>Second level</a:t>
-            </a:r>
-          </a:p>
-          <a:p>
-            <a:pPr lvl="2"/>
-            <a:r>
-              <a:rPr lang="en-US" smtClean="0"/>
-              <a:t>Third level</a:t>
-            </a:r>
-          </a:p>
-          <a:p>
-            <a:pPr lvl="3"/>
-            <a:r>
-              <a:rPr lang="en-US" smtClean="0"/>
-              <a:t>Fourth level</a:t>
-            </a:r>
-          </a:p>
-          <a:p>
-            <a:pPr lvl="4"/>
-            <a:r>
-              <a:rPr lang="en-US" smtClean="0"/>
-              <a:t>Fifth level</a:t>
-            </a:r>
-            <a:endParaRPr lang="en-US"/>
-          </a:p>
-        </p:txBody>
-      </p:sp>
-      <p:sp>
-        <p:nvSpPr>
-          <p:cNvPr id="5" name="Content Placeholder 4"/>
-          <p:cNvSpPr>
-            <a:spLocks noGrp="1"/>
-          </p:cNvSpPr>
-          <p:nvPr>
-            <p:ph sz="quarter" idx="3"/>
-          </p:nvPr>
-        </p:nvSpPr>
-        <p:spPr>
-          <a:xfrm>
-            <a:off x="4648200" y="2953942"/>
-            <a:ext cx="4038600" cy="1640681"/>
-          </a:xfrm>
-        </p:spPr>
-        <p:txBody>
-          <a:bodyPr/>
-          <a:lstStyle/>
-          <a:p>
-            <a:pPr lvl="0"/>
-            <a:r>
-              <a:rPr lang="en-US" smtClean="0"/>
-              <a:t>Click to edit Master text styles</a:t>
-            </a:r>
-          </a:p>
-          <a:p>
-            <a:pPr lvl="1"/>
-            <a:r>
-              <a:rPr lang="en-US" smtClean="0"/>
-              <a:t>Second level</a:t>
-            </a:r>
-          </a:p>
-          <a:p>
-            <a:pPr lvl="2"/>
-            <a:r>
-              <a:rPr lang="en-US" smtClean="0"/>
-              <a:t>Third level</a:t>
-            </a:r>
-          </a:p>
-          <a:p>
-            <a:pPr lvl="3"/>
-            <a:r>
-              <a:rPr lang="en-US" smtClean="0"/>
-              <a:t>Fourth level</a:t>
-            </a:r>
-          </a:p>
-          <a:p>
-            <a:pPr lvl="4"/>
-            <a:r>
-              <a:rPr lang="en-US" smtClean="0"/>
-              <a:t>Fifth level</a:t>
-            </a:r>
-            <a:endParaRPr lang="en-US"/>
-          </a:p>
-        </p:txBody>
-      </p:sp>
-      <p:sp>
-        <p:nvSpPr>
-          <p:cNvPr id="6" name="Rectangle 4"/>
-          <p:cNvSpPr>
-            <a:spLocks noGrp="1" noChangeArrowheads="1"/>
-          </p:cNvSpPr>
-          <p:nvPr>
-            <p:ph type="dt" sz="half" idx="10"/>
-          </p:nvPr>
-        </p:nvSpPr>
-        <p:spPr>
-          <a:xfrm>
-            <a:off x="457200" y="4683919"/>
-            <a:ext cx="2133600" cy="357188"/>
-          </a:xfrm>
-          <a:prstGeom prst="rect">
-            <a:avLst/>
-          </a:prstGeom>
-          <a:ln/>
-        </p:spPr>
-        <p:txBody>
-          <a:bodyPr/>
-          <a:lstStyle>
-            <a:lvl1pPr>
-              <a:defRPr/>
-            </a:lvl1pPr>
-          </a:lstStyle>
-          <a:p>
-            <a:pPr>
-              <a:defRPr/>
-            </a:pPr>
-            <a:endParaRPr lang="en-US"/>
-          </a:p>
-        </p:txBody>
-      </p:sp>
-      <p:sp>
-        <p:nvSpPr>
-          <p:cNvPr id="7" name="Rectangle 5"/>
-          <p:cNvSpPr>
-            <a:spLocks noGrp="1" noChangeArrowheads="1"/>
-          </p:cNvSpPr>
-          <p:nvPr>
-            <p:ph type="ftr" sz="quarter" idx="11"/>
-          </p:nvPr>
-        </p:nvSpPr>
-        <p:spPr>
-          <a:xfrm>
-            <a:off x="3124200" y="4683919"/>
-            <a:ext cx="2895600" cy="357188"/>
-          </a:xfrm>
-          <a:prstGeom prst="rect">
-            <a:avLst/>
-          </a:prstGeom>
-          <a:ln/>
-        </p:spPr>
-        <p:txBody>
-          <a:bodyPr/>
-          <a:lstStyle>
-            <a:lvl1pPr>
-              <a:defRPr/>
-            </a:lvl1pPr>
-          </a:lstStyle>
-          <a:p>
-            <a:pPr>
-              <a:defRPr/>
-            </a:pPr>
-            <a:endParaRPr lang="en-US"/>
-          </a:p>
-        </p:txBody>
-      </p:sp>
-      <p:sp>
-        <p:nvSpPr>
-          <p:cNvPr id="8" name="Rectangle 6"/>
-          <p:cNvSpPr>
-            <a:spLocks noGrp="1" noChangeArrowheads="1"/>
-          </p:cNvSpPr>
-          <p:nvPr>
-            <p:ph type="sldNum" sz="quarter" idx="12"/>
-          </p:nvPr>
-        </p:nvSpPr>
-        <p:spPr>
-          <a:xfrm>
-            <a:off x="6553200" y="4683919"/>
-            <a:ext cx="2133600" cy="357188"/>
-          </a:xfrm>
-          <a:prstGeom prst="rect">
-            <a:avLst/>
-          </a:prstGeom>
-          <a:ln/>
-        </p:spPr>
-        <p:txBody>
-          <a:bodyPr/>
-          <a:lstStyle>
-            <a:lvl1pPr>
-              <a:defRPr/>
-            </a:lvl1pPr>
-          </a:lstStyle>
-          <a:p>
-            <a:pPr>
-              <a:defRPr/>
-            </a:pPr>
-            <a:fld id="{A65FA5BF-5D8E-6947-ADA0-9FFEC91D09CB}" type="slidenum">
-              <a:rPr lang="en-US"/>
-              <a:pPr>
-                <a:defRPr/>
-              </a:pPr>
-              <a:t>‹#›</a:t>
-            </a:fld>
-            <a:endParaRPr lang="en-US"/>
-          </a:p>
-        </p:txBody>
-      </p:sp>
-    </p:spTree>
-    <p:extLst>
-      <p:ext uri="{BB962C8B-B14F-4D97-AF65-F5344CB8AC3E}">
-        <p14:creationId xmlns:p14="http://schemas.microsoft.com/office/powerpoint/2010/main" val="1801605234"/>
-      </p:ext>
-    </p:extLst>
-  </p:cSld>
-  <p:clrMapOvr>
-    <a:masterClrMapping/>
-  </p:clrMapOvr>
-</p:sldLayout>
-</file>
-
 <file path=ppt/slideLayouts/slideLayout2.xml><?xml version="1.0" encoding="utf-8"?>
 <p:sldLayout xmlns:a="http://schemas.openxmlformats.org/drawingml/2006/main" xmlns:r="http://schemas.openxmlformats.org/officeDocument/2006/relationships" xmlns:p="http://schemas.openxmlformats.org/presentationml/2006/main" type="obj" preserve="1">
   <p:cSld name="Title and Content">
@@ -8414,7 +8073,6 @@
     <p:sldLayoutId id="2147483713" r:id="rId12"/>
     <p:sldLayoutId id="2147483717" r:id="rId13"/>
     <p:sldLayoutId id="2147483718" r:id="rId14"/>
-    <p:sldLayoutId id="2147483719" r:id="rId15"/>
   </p:sldLayoutIdLst>
   <p:timing>
     <p:tnLst>
@@ -14496,8 +14154,17 @@
               <a:rPr lang="en-US" dirty="0" smtClean="0">
                 <a:cs typeface="+mn-cs"/>
               </a:rPr>
-              <a:t>Goal to run 100 simultaneously</a:t>
-            </a:r>
+              <a:t>Goal to run </a:t>
+            </a:r>
+            <a:r>
+              <a:rPr lang="en-US" smtClean="0">
+                <a:cs typeface="+mn-cs"/>
+              </a:rPr>
+              <a:t>100 VM simultaneously</a:t>
+            </a:r>
+            <a:endParaRPr lang="en-US" dirty="0" smtClean="0">
+              <a:cs typeface="+mn-cs"/>
+            </a:endParaRPr>
           </a:p>
           <a:p>
             <a:pPr eaLnBrk="1" hangingPunct="1">
@@ -17590,9 +17257,9 @@
       </p:grpSpPr>
       <p:sp>
         <p:nvSpPr>
-          <p:cNvPr id="31746" name="Rectangle 2"/>
+          <p:cNvPr id="2" name="Title 1"/>
           <p:cNvSpPr>
-            <a:spLocks noGrp="1" noChangeArrowheads="1"/>
+            <a:spLocks noGrp="1"/>
           </p:cNvSpPr>
           <p:nvPr>
             <p:ph type="title"/>
@@ -17603,328 +17270,3030 @@
           <a:bodyPr/>
           <a:lstStyle/>
           <a:p>
-            <a:pPr eaLnBrk="1" hangingPunct="1">
-              <a:defRPr/>
-            </a:pPr>
-            <a:r>
-              <a:rPr lang="en-US" smtClean="0">
-                <a:cs typeface="+mj-cs"/>
-              </a:rPr>
-              <a:t>Paravirtualization of the MMU</a:t>
-            </a:r>
+            <a:r>
+              <a:rPr lang="en-US" smtClean="0"/>
+              <a:t>Discussion: </a:t>
+            </a:r>
+            <a:r>
+              <a:rPr lang="en-US" smtClean="0"/>
+              <a:t>OSes</a:t>
+            </a:r>
+            <a:r>
+              <a:rPr lang="en-US" dirty="0" smtClean="0"/>
+              <a:t>, VMs, Containers</a:t>
+            </a:r>
+            <a:endParaRPr lang="en-US" dirty="0"/>
           </a:p>
         </p:txBody>
       </p:sp>
-      <p:pic>
-        <p:nvPicPr>
-          <p:cNvPr id="31748" name="Picture 4"/>
-          <p:cNvPicPr>
-            <a:picLocks noGrp="1" noChangeAspect="1" noChangeArrowheads="1"/>
-          </p:cNvPicPr>
-          <p:nvPr>
-            <p:ph sz="half" idx="1"/>
-          </p:nvPr>
-        </p:nvPicPr>
-        <p:blipFill>
-          <a:blip r:embed="rId2">
-            <a:extLst>
-              <a:ext uri="{28A0092B-C50C-407E-A947-70E740481C1C}">
-                <a14:useLocalDpi xmlns:a14="http://schemas.microsoft.com/office/drawing/2010/main" val="0"/>
-              </a:ext>
-            </a:extLst>
-          </a:blip>
-          <a:srcRect/>
-          <a:stretch>
-            <a:fillRect/>
-          </a:stretch>
-        </p:blipFill>
+      <p:sp>
+        <p:nvSpPr>
+          <p:cNvPr id="4" name="Rectangle 3"/>
+          <p:cNvSpPr/>
+          <p:nvPr/>
+        </p:nvSpPr>
         <p:spPr>
           <a:xfrm>
-            <a:off x="1066800" y="1943100"/>
-            <a:ext cx="3352800" cy="2057400"/>
+            <a:off x="5549923" y="3759200"/>
+            <a:ext cx="1714500" cy="330200"/>
           </a:xfrm>
+          <a:prstGeom prst="rect">
+            <a:avLst/>
+          </a:prstGeom>
+          <a:solidFill>
+            <a:schemeClr val="tx1">
+              <a:lumMod val="65000"/>
+              <a:lumOff val="35000"/>
+            </a:schemeClr>
+          </a:solidFill>
+          <a:ln>
+            <a:noFill/>
+          </a:ln>
+          <a:effectLst/>
         </p:spPr>
-      </p:pic>
-      <p:pic>
-        <p:nvPicPr>
-          <p:cNvPr id="31750" name="Picture 6"/>
-          <p:cNvPicPr>
-            <a:picLocks noGrp="1" noChangeAspect="1" noChangeArrowheads="1"/>
-          </p:cNvPicPr>
-          <p:nvPr>
-            <p:ph sz="quarter" idx="2"/>
-          </p:nvPr>
-        </p:nvPicPr>
-        <p:blipFill>
-          <a:blip r:embed="rId3">
-            <a:extLst>
-              <a:ext uri="{28A0092B-C50C-407E-A947-70E740481C1C}">
-                <a14:useLocalDpi xmlns:a14="http://schemas.microsoft.com/office/drawing/2010/main" val="0"/>
-              </a:ext>
-            </a:extLst>
-          </a:blip>
-          <a:srcRect/>
-          <a:stretch>
-            <a:fillRect/>
-          </a:stretch>
-        </p:blipFill>
+        <p:style>
+          <a:lnRef idx="1">
+            <a:schemeClr val="accent1"/>
+          </a:lnRef>
+          <a:fillRef idx="3">
+            <a:schemeClr val="accent1"/>
+          </a:fillRef>
+          <a:effectRef idx="2">
+            <a:schemeClr val="accent1"/>
+          </a:effectRef>
+          <a:fontRef idx="minor">
+            <a:schemeClr val="lt1"/>
+          </a:fontRef>
+        </p:style>
+        <p:txBody>
+          <a:bodyPr rtlCol="0" anchor="ctr"/>
+          <a:lstStyle/>
+          <a:p>
+            <a:pPr algn="ctr"/>
+            <a:r>
+              <a:rPr lang="en-US" dirty="0" smtClean="0">
+                <a:latin typeface="Source Sans Pro"/>
+                <a:cs typeface="Source Sans Pro"/>
+              </a:rPr>
+              <a:t>Hardware</a:t>
+            </a:r>
+            <a:endParaRPr lang="en-US" dirty="0">
+              <a:latin typeface="Source Sans Pro"/>
+              <a:cs typeface="Source Sans Pro"/>
+            </a:endParaRPr>
+          </a:p>
+        </p:txBody>
+      </p:sp>
+      <p:sp>
+        <p:nvSpPr>
+          <p:cNvPr id="6" name="Rectangle 5"/>
+          <p:cNvSpPr/>
+          <p:nvPr/>
+        </p:nvSpPr>
         <p:spPr>
           <a:xfrm>
-            <a:off x="4800601" y="1943100"/>
-            <a:ext cx="3413125" cy="2044700"/>
+            <a:off x="5549923" y="3467100"/>
+            <a:ext cx="1714500" cy="330200"/>
           </a:xfrm>
+          <a:prstGeom prst="rect">
+            <a:avLst/>
+          </a:prstGeom>
+          <a:solidFill>
+            <a:srgbClr val="3D84C7"/>
+          </a:solidFill>
+          <a:ln>
+            <a:noFill/>
+          </a:ln>
+          <a:effectLst/>
         </p:spPr>
-      </p:pic>
+        <p:style>
+          <a:lnRef idx="1">
+            <a:schemeClr val="accent1"/>
+          </a:lnRef>
+          <a:fillRef idx="3">
+            <a:schemeClr val="accent1"/>
+          </a:fillRef>
+          <a:effectRef idx="2">
+            <a:schemeClr val="accent1"/>
+          </a:effectRef>
+          <a:fontRef idx="minor">
+            <a:schemeClr val="lt1"/>
+          </a:fontRef>
+        </p:style>
+        <p:txBody>
+          <a:bodyPr rtlCol="0" anchor="ctr"/>
+          <a:lstStyle/>
+          <a:p>
+            <a:pPr algn="ctr"/>
+            <a:r>
+              <a:rPr lang="en-US" dirty="0" smtClean="0">
+                <a:latin typeface="Source Sans Pro"/>
+                <a:cs typeface="Source Sans Pro"/>
+              </a:rPr>
+              <a:t>Host OS</a:t>
+            </a:r>
+            <a:endParaRPr lang="en-US" dirty="0">
+              <a:latin typeface="Source Sans Pro"/>
+              <a:cs typeface="Source Sans Pro"/>
+            </a:endParaRPr>
+          </a:p>
+        </p:txBody>
+      </p:sp>
       <p:sp>
         <p:nvSpPr>
-          <p:cNvPr id="31749" name="Text Box 5"/>
-          <p:cNvSpPr txBox="1">
-            <a:spLocks noChangeArrowheads="1"/>
-          </p:cNvSpPr>
+          <p:cNvPr id="7" name="Rectangle 6"/>
+          <p:cNvSpPr/>
           <p:nvPr/>
         </p:nvSpPr>
-        <p:spPr bwMode="auto">
+        <p:spPr>
           <a:xfrm>
-            <a:off x="762000" y="3829050"/>
-            <a:ext cx="7772400" cy="369332"/>
+            <a:off x="5549923" y="3136900"/>
+            <a:ext cx="1714500" cy="330200"/>
+          </a:xfrm>
+          <a:prstGeom prst="rect">
+            <a:avLst/>
+          </a:prstGeom>
+          <a:solidFill>
+            <a:srgbClr val="0000FF"/>
+          </a:solidFill>
+          <a:ln>
+            <a:noFill/>
+          </a:ln>
+          <a:effectLst/>
+        </p:spPr>
+        <p:style>
+          <a:lnRef idx="1">
+            <a:schemeClr val="accent1"/>
+          </a:lnRef>
+          <a:fillRef idx="3">
+            <a:schemeClr val="accent1"/>
+          </a:fillRef>
+          <a:effectRef idx="2">
+            <a:schemeClr val="accent1"/>
+          </a:effectRef>
+          <a:fontRef idx="minor">
+            <a:schemeClr val="lt1"/>
+          </a:fontRef>
+        </p:style>
+        <p:txBody>
+          <a:bodyPr rtlCol="0" anchor="ctr"/>
+          <a:lstStyle/>
+          <a:p>
+            <a:pPr algn="ctr"/>
+            <a:r>
+              <a:rPr lang="en-US" dirty="0" smtClean="0">
+                <a:latin typeface="Source Sans Pro"/>
+                <a:cs typeface="Source Sans Pro"/>
+              </a:rPr>
+              <a:t>Hypervisor</a:t>
+            </a:r>
+            <a:endParaRPr lang="en-US" dirty="0">
+              <a:latin typeface="Source Sans Pro"/>
+              <a:cs typeface="Source Sans Pro"/>
+            </a:endParaRPr>
+          </a:p>
+        </p:txBody>
+      </p:sp>
+      <p:sp>
+        <p:nvSpPr>
+          <p:cNvPr id="8" name="Rectangle 7"/>
+          <p:cNvSpPr/>
+          <p:nvPr/>
+        </p:nvSpPr>
+        <p:spPr>
+          <a:xfrm>
+            <a:off x="5554156" y="2489200"/>
+            <a:ext cx="812800" cy="596900"/>
+          </a:xfrm>
+          <a:prstGeom prst="rect">
+            <a:avLst/>
+          </a:prstGeom>
+          <a:solidFill>
+            <a:srgbClr val="95CEE8"/>
+          </a:solidFill>
+          <a:ln>
+            <a:noFill/>
+          </a:ln>
+          <a:effectLst/>
+        </p:spPr>
+        <p:style>
+          <a:lnRef idx="1">
+            <a:schemeClr val="accent1"/>
+          </a:lnRef>
+          <a:fillRef idx="3">
+            <a:schemeClr val="accent1"/>
+          </a:fillRef>
+          <a:effectRef idx="2">
+            <a:schemeClr val="accent1"/>
+          </a:effectRef>
+          <a:fontRef idx="minor">
+            <a:schemeClr val="lt1"/>
+          </a:fontRef>
+        </p:style>
+        <p:txBody>
+          <a:bodyPr rtlCol="0" anchor="ctr"/>
+          <a:lstStyle/>
+          <a:p>
+            <a:pPr algn="ctr"/>
+            <a:r>
+              <a:rPr lang="en-US" dirty="0" smtClean="0">
+                <a:solidFill>
+                  <a:schemeClr val="tx1">
+                    <a:lumMod val="65000"/>
+                    <a:lumOff val="35000"/>
+                  </a:schemeClr>
+                </a:solidFill>
+                <a:latin typeface="Source Sans Pro"/>
+                <a:cs typeface="Source Sans Pro"/>
+              </a:rPr>
+              <a:t>Guest </a:t>
+            </a:r>
+          </a:p>
+          <a:p>
+            <a:pPr algn="ctr"/>
+            <a:r>
+              <a:rPr lang="en-US" dirty="0" smtClean="0">
+                <a:solidFill>
+                  <a:schemeClr val="tx1">
+                    <a:lumMod val="65000"/>
+                    <a:lumOff val="35000"/>
+                  </a:schemeClr>
+                </a:solidFill>
+                <a:latin typeface="Source Sans Pro"/>
+                <a:cs typeface="Source Sans Pro"/>
+              </a:rPr>
+              <a:t>OS</a:t>
+            </a:r>
+            <a:endParaRPr lang="en-US" dirty="0">
+              <a:solidFill>
+                <a:schemeClr val="tx1">
+                  <a:lumMod val="65000"/>
+                  <a:lumOff val="35000"/>
+                </a:schemeClr>
+              </a:solidFill>
+              <a:latin typeface="Source Sans Pro"/>
+              <a:cs typeface="Source Sans Pro"/>
+            </a:endParaRPr>
+          </a:p>
+        </p:txBody>
+      </p:sp>
+      <p:sp>
+        <p:nvSpPr>
+          <p:cNvPr id="9" name="Rectangle 8"/>
+          <p:cNvSpPr/>
+          <p:nvPr/>
+        </p:nvSpPr>
+        <p:spPr>
+          <a:xfrm>
+            <a:off x="5557330" y="1841500"/>
+            <a:ext cx="815976" cy="596900"/>
+          </a:xfrm>
+          <a:prstGeom prst="rect">
+            <a:avLst/>
+          </a:prstGeom>
+          <a:solidFill>
+            <a:srgbClr val="95CEE8"/>
+          </a:solidFill>
+          <a:ln>
+            <a:noFill/>
+          </a:ln>
+          <a:effectLst/>
+        </p:spPr>
+        <p:style>
+          <a:lnRef idx="1">
+            <a:schemeClr val="accent1"/>
+          </a:lnRef>
+          <a:fillRef idx="3">
+            <a:schemeClr val="accent1"/>
+          </a:fillRef>
+          <a:effectRef idx="2">
+            <a:schemeClr val="accent1"/>
+          </a:effectRef>
+          <a:fontRef idx="minor">
+            <a:schemeClr val="lt1"/>
+          </a:fontRef>
+        </p:style>
+        <p:txBody>
+          <a:bodyPr rtlCol="0" anchor="ctr"/>
+          <a:lstStyle/>
+          <a:p>
+            <a:pPr algn="ctr"/>
+            <a:r>
+              <a:rPr lang="en-US" dirty="0" smtClean="0">
+                <a:solidFill>
+                  <a:schemeClr val="tx1">
+                    <a:lumMod val="65000"/>
+                    <a:lumOff val="35000"/>
+                  </a:schemeClr>
+                </a:solidFill>
+                <a:latin typeface="Source Sans Pro"/>
+                <a:cs typeface="Source Sans Pro"/>
+              </a:rPr>
+              <a:t>Bins/Libs</a:t>
+            </a:r>
+            <a:endParaRPr lang="en-US" dirty="0">
+              <a:solidFill>
+                <a:schemeClr val="tx1">
+                  <a:lumMod val="65000"/>
+                  <a:lumOff val="35000"/>
+                </a:schemeClr>
+              </a:solidFill>
+              <a:latin typeface="Source Sans Pro"/>
+              <a:cs typeface="Source Sans Pro"/>
+            </a:endParaRPr>
+          </a:p>
+        </p:txBody>
+      </p:sp>
+      <p:sp>
+        <p:nvSpPr>
+          <p:cNvPr id="10" name="Rectangle 9"/>
+          <p:cNvSpPr/>
+          <p:nvPr/>
+        </p:nvSpPr>
+        <p:spPr>
+          <a:xfrm>
+            <a:off x="5557330" y="1371600"/>
+            <a:ext cx="812801" cy="419100"/>
+          </a:xfrm>
+          <a:prstGeom prst="rect">
+            <a:avLst/>
+          </a:prstGeom>
+          <a:solidFill>
+            <a:srgbClr val="95CEE8"/>
+          </a:solidFill>
+          <a:ln>
+            <a:noFill/>
+          </a:ln>
+          <a:effectLst/>
+        </p:spPr>
+        <p:style>
+          <a:lnRef idx="1">
+            <a:schemeClr val="accent1"/>
+          </a:lnRef>
+          <a:fillRef idx="3">
+            <a:schemeClr val="accent1"/>
+          </a:fillRef>
+          <a:effectRef idx="2">
+            <a:schemeClr val="accent1"/>
+          </a:effectRef>
+          <a:fontRef idx="minor">
+            <a:schemeClr val="lt1"/>
+          </a:fontRef>
+        </p:style>
+        <p:txBody>
+          <a:bodyPr rtlCol="0" anchor="ctr"/>
+          <a:lstStyle/>
+          <a:p>
+            <a:pPr algn="ctr"/>
+            <a:r>
+              <a:rPr lang="en-US" dirty="0" smtClean="0">
+                <a:solidFill>
+                  <a:schemeClr val="tx1">
+                    <a:lumMod val="65000"/>
+                    <a:lumOff val="35000"/>
+                  </a:schemeClr>
+                </a:solidFill>
+                <a:latin typeface="Source Sans Pro"/>
+                <a:cs typeface="Source Sans Pro"/>
+              </a:rPr>
+              <a:t>App A</a:t>
+            </a:r>
+            <a:endParaRPr lang="en-US" dirty="0">
+              <a:solidFill>
+                <a:schemeClr val="tx1">
+                  <a:lumMod val="65000"/>
+                  <a:lumOff val="35000"/>
+                </a:schemeClr>
+              </a:solidFill>
+              <a:latin typeface="Source Sans Pro"/>
+              <a:cs typeface="Source Sans Pro"/>
+            </a:endParaRPr>
+          </a:p>
+        </p:txBody>
+      </p:sp>
+      <p:sp>
+        <p:nvSpPr>
+          <p:cNvPr id="14" name="Rectangle 13"/>
+          <p:cNvSpPr/>
+          <p:nvPr/>
+        </p:nvSpPr>
+        <p:spPr>
+          <a:xfrm>
+            <a:off x="5554156" y="1371600"/>
+            <a:ext cx="812800" cy="1714500"/>
           </a:xfrm>
           <a:prstGeom prst="rect">
             <a:avLst/>
           </a:prstGeom>
           <a:noFill/>
           <a:ln>
-            <a:noFill/>
+            <a:solidFill>
+              <a:schemeClr val="tx1">
+                <a:lumMod val="75000"/>
+                <a:lumOff val="25000"/>
+              </a:schemeClr>
+            </a:solidFill>
           </a:ln>
           <a:effectLst/>
-          <a:extLst>
-            <a:ext uri="{909E8E84-426E-40dd-AFC4-6F175D3DCCD1}">
-              <a14:hiddenFill xmlns:a14="http://schemas.microsoft.com/office/drawing/2010/main">
-                <a:solidFill>
-                  <a:schemeClr val="accent1"/>
-                </a:solidFill>
-              </a14:hiddenFill>
-            </a:ext>
-            <a:ext uri="{91240B29-F687-4f45-9708-019B960494DF}">
-              <a14:hiddenLine xmlns:a14="http://schemas.microsoft.com/office/drawing/2010/main" w="9525">
-                <a:solidFill>
-                  <a:schemeClr val="tx1"/>
-                </a:solidFill>
-                <a:miter lim="800000"/>
-                <a:headEnd/>
-                <a:tailEnd/>
-              </a14:hiddenLine>
-            </a:ext>
-            <a:ext uri="{AF507438-7753-43e0-B8FC-AC1667EBCBE1}">
-              <a14:hiddenEffects xmlns:a14="http://schemas.microsoft.com/office/drawing/2010/main">
-                <a:effectLst>
-                  <a:outerShdw blurRad="63500" dist="38099" dir="2700000" algn="ctr" rotWithShape="0">
-                    <a:schemeClr val="bg2">
-                      <a:alpha val="74998"/>
-                    </a:schemeClr>
-                  </a:outerShdw>
-                </a:effectLst>
-              </a14:hiddenEffects>
-            </a:ext>
-          </a:extLst>
         </p:spPr>
+        <p:style>
+          <a:lnRef idx="1">
+            <a:schemeClr val="accent1"/>
+          </a:lnRef>
+          <a:fillRef idx="3">
+            <a:schemeClr val="accent1"/>
+          </a:fillRef>
+          <a:effectRef idx="2">
+            <a:schemeClr val="accent1"/>
+          </a:effectRef>
+          <a:fontRef idx="minor">
+            <a:schemeClr val="lt1"/>
+          </a:fontRef>
+        </p:style>
         <p:txBody>
-          <a:bodyPr>
-            <a:spAutoFit/>
-          </a:bodyPr>
+          <a:bodyPr rtlCol="0" anchor="ctr"/>
           <a:lstStyle/>
           <a:p>
-            <a:pPr algn="ctr">
-              <a:spcBef>
-                <a:spcPct val="50000"/>
-              </a:spcBef>
-              <a:defRPr/>
-            </a:pPr>
-            <a:r>
-              <a:rPr lang="en-US" dirty="0">
-                <a:solidFill>
-                  <a:schemeClr val="bg1"/>
-                </a:solidFill>
-                <a:cs typeface="+mn-cs"/>
-              </a:rPr>
-              <a:t>Diagrams provided by a presentation from the </a:t>
-            </a:r>
-            <a:r>
-              <a:rPr lang="en-US" dirty="0" err="1">
-                <a:solidFill>
-                  <a:schemeClr val="bg1"/>
-                </a:solidFill>
-                <a:cs typeface="+mn-cs"/>
-              </a:rPr>
-              <a:t>Universität</a:t>
-            </a:r>
-            <a:r>
-              <a:rPr lang="en-US" dirty="0">
-                <a:solidFill>
-                  <a:schemeClr val="bg1"/>
-                </a:solidFill>
-                <a:cs typeface="+mn-cs"/>
-              </a:rPr>
-              <a:t> Karlsruhe </a:t>
-            </a:r>
+            <a:pPr algn="ctr"/>
+            <a:endParaRPr lang="en-US"/>
           </a:p>
         </p:txBody>
       </p:sp>
       <p:sp>
         <p:nvSpPr>
-          <p:cNvPr id="31751" name="Text Box 7"/>
-          <p:cNvSpPr txBox="1">
-            <a:spLocks noChangeArrowheads="1"/>
-          </p:cNvSpPr>
+          <p:cNvPr id="15" name="Rectangle 14"/>
+          <p:cNvSpPr/>
           <p:nvPr/>
         </p:nvSpPr>
-        <p:spPr bwMode="auto">
+        <p:spPr>
           <a:xfrm>
-            <a:off x="914400" y="1485900"/>
-            <a:ext cx="3505200" cy="369332"/>
+            <a:off x="6434718" y="2489194"/>
+            <a:ext cx="812800" cy="596900"/>
+          </a:xfrm>
+          <a:prstGeom prst="rect">
+            <a:avLst/>
+          </a:prstGeom>
+          <a:solidFill>
+            <a:srgbClr val="95CEE8"/>
+          </a:solidFill>
+          <a:ln>
+            <a:noFill/>
+          </a:ln>
+          <a:effectLst/>
+        </p:spPr>
+        <p:style>
+          <a:lnRef idx="1">
+            <a:schemeClr val="accent1"/>
+          </a:lnRef>
+          <a:fillRef idx="3">
+            <a:schemeClr val="accent1"/>
+          </a:fillRef>
+          <a:effectRef idx="2">
+            <a:schemeClr val="accent1"/>
+          </a:effectRef>
+          <a:fontRef idx="minor">
+            <a:schemeClr val="lt1"/>
+          </a:fontRef>
+        </p:style>
+        <p:txBody>
+          <a:bodyPr rtlCol="0" anchor="ctr"/>
+          <a:lstStyle/>
+          <a:p>
+            <a:pPr algn="ctr"/>
+            <a:r>
+              <a:rPr lang="en-US" dirty="0" smtClean="0">
+                <a:solidFill>
+                  <a:schemeClr val="tx1">
+                    <a:lumMod val="65000"/>
+                    <a:lumOff val="35000"/>
+                  </a:schemeClr>
+                </a:solidFill>
+                <a:latin typeface="Source Sans Pro"/>
+                <a:cs typeface="Source Sans Pro"/>
+              </a:rPr>
+              <a:t>Guest </a:t>
+            </a:r>
+          </a:p>
+          <a:p>
+            <a:pPr algn="ctr"/>
+            <a:r>
+              <a:rPr lang="en-US" dirty="0" smtClean="0">
+                <a:solidFill>
+                  <a:schemeClr val="tx1">
+                    <a:lumMod val="65000"/>
+                    <a:lumOff val="35000"/>
+                  </a:schemeClr>
+                </a:solidFill>
+                <a:latin typeface="Source Sans Pro"/>
+                <a:cs typeface="Source Sans Pro"/>
+              </a:rPr>
+              <a:t>OS</a:t>
+            </a:r>
+            <a:endParaRPr lang="en-US" dirty="0">
+              <a:solidFill>
+                <a:schemeClr val="tx1">
+                  <a:lumMod val="65000"/>
+                  <a:lumOff val="35000"/>
+                </a:schemeClr>
+              </a:solidFill>
+              <a:latin typeface="Source Sans Pro"/>
+              <a:cs typeface="Source Sans Pro"/>
+            </a:endParaRPr>
+          </a:p>
+        </p:txBody>
+      </p:sp>
+      <p:sp>
+        <p:nvSpPr>
+          <p:cNvPr id="16" name="Rectangle 15"/>
+          <p:cNvSpPr/>
+          <p:nvPr/>
+        </p:nvSpPr>
+        <p:spPr>
+          <a:xfrm>
+            <a:off x="6437892" y="1841494"/>
+            <a:ext cx="815976" cy="596900"/>
+          </a:xfrm>
+          <a:prstGeom prst="rect">
+            <a:avLst/>
+          </a:prstGeom>
+          <a:solidFill>
+            <a:srgbClr val="95CEE8"/>
+          </a:solidFill>
+          <a:ln>
+            <a:noFill/>
+          </a:ln>
+          <a:effectLst/>
+        </p:spPr>
+        <p:style>
+          <a:lnRef idx="1">
+            <a:schemeClr val="accent1"/>
+          </a:lnRef>
+          <a:fillRef idx="3">
+            <a:schemeClr val="accent1"/>
+          </a:fillRef>
+          <a:effectRef idx="2">
+            <a:schemeClr val="accent1"/>
+          </a:effectRef>
+          <a:fontRef idx="minor">
+            <a:schemeClr val="lt1"/>
+          </a:fontRef>
+        </p:style>
+        <p:txBody>
+          <a:bodyPr rtlCol="0" anchor="ctr"/>
+          <a:lstStyle/>
+          <a:p>
+            <a:pPr algn="ctr"/>
+            <a:r>
+              <a:rPr lang="en-US" dirty="0" smtClean="0">
+                <a:solidFill>
+                  <a:schemeClr val="tx1">
+                    <a:lumMod val="65000"/>
+                    <a:lumOff val="35000"/>
+                  </a:schemeClr>
+                </a:solidFill>
+                <a:latin typeface="Source Sans Pro"/>
+                <a:cs typeface="Source Sans Pro"/>
+              </a:rPr>
+              <a:t>Bins/Libs</a:t>
+            </a:r>
+            <a:endParaRPr lang="en-US" dirty="0">
+              <a:solidFill>
+                <a:schemeClr val="tx1">
+                  <a:lumMod val="65000"/>
+                  <a:lumOff val="35000"/>
+                </a:schemeClr>
+              </a:solidFill>
+              <a:latin typeface="Source Sans Pro"/>
+              <a:cs typeface="Source Sans Pro"/>
+            </a:endParaRPr>
+          </a:p>
+        </p:txBody>
+      </p:sp>
+      <p:sp>
+        <p:nvSpPr>
+          <p:cNvPr id="17" name="Rectangle 16"/>
+          <p:cNvSpPr/>
+          <p:nvPr/>
+        </p:nvSpPr>
+        <p:spPr>
+          <a:xfrm>
+            <a:off x="6437892" y="1371594"/>
+            <a:ext cx="812801" cy="419100"/>
+          </a:xfrm>
+          <a:prstGeom prst="rect">
+            <a:avLst/>
+          </a:prstGeom>
+          <a:solidFill>
+            <a:srgbClr val="95CEE8"/>
+          </a:solidFill>
+          <a:ln>
+            <a:noFill/>
+          </a:ln>
+          <a:effectLst/>
+        </p:spPr>
+        <p:style>
+          <a:lnRef idx="1">
+            <a:schemeClr val="accent1"/>
+          </a:lnRef>
+          <a:fillRef idx="3">
+            <a:schemeClr val="accent1"/>
+          </a:fillRef>
+          <a:effectRef idx="2">
+            <a:schemeClr val="accent1"/>
+          </a:effectRef>
+          <a:fontRef idx="minor">
+            <a:schemeClr val="lt1"/>
+          </a:fontRef>
+        </p:style>
+        <p:txBody>
+          <a:bodyPr rtlCol="0" anchor="ctr"/>
+          <a:lstStyle/>
+          <a:p>
+            <a:pPr algn="ctr"/>
+            <a:r>
+              <a:rPr lang="en-US" dirty="0" smtClean="0">
+                <a:solidFill>
+                  <a:schemeClr val="tx1">
+                    <a:lumMod val="65000"/>
+                    <a:lumOff val="35000"/>
+                  </a:schemeClr>
+                </a:solidFill>
+                <a:latin typeface="Source Sans Pro"/>
+                <a:cs typeface="Source Sans Pro"/>
+              </a:rPr>
+              <a:t>App B</a:t>
+            </a:r>
+            <a:endParaRPr lang="en-US" dirty="0">
+              <a:solidFill>
+                <a:schemeClr val="tx1">
+                  <a:lumMod val="65000"/>
+                  <a:lumOff val="35000"/>
+                </a:schemeClr>
+              </a:solidFill>
+              <a:latin typeface="Source Sans Pro"/>
+              <a:cs typeface="Source Sans Pro"/>
+            </a:endParaRPr>
+          </a:p>
+        </p:txBody>
+      </p:sp>
+      <p:sp>
+        <p:nvSpPr>
+          <p:cNvPr id="18" name="Rectangle 17"/>
+          <p:cNvSpPr/>
+          <p:nvPr/>
+        </p:nvSpPr>
+        <p:spPr>
+          <a:xfrm>
+            <a:off x="6434718" y="1371594"/>
+            <a:ext cx="812800" cy="1714500"/>
           </a:xfrm>
           <a:prstGeom prst="rect">
             <a:avLst/>
           </a:prstGeom>
           <a:noFill/>
           <a:ln>
-            <a:noFill/>
+            <a:solidFill>
+              <a:schemeClr val="tx1">
+                <a:lumMod val="75000"/>
+                <a:lumOff val="25000"/>
+              </a:schemeClr>
+            </a:solidFill>
           </a:ln>
           <a:effectLst/>
-          <a:extLst>
-            <a:ext uri="{909E8E84-426E-40dd-AFC4-6F175D3DCCD1}">
-              <a14:hiddenFill xmlns:a14="http://schemas.microsoft.com/office/drawing/2010/main">
-                <a:solidFill>
-                  <a:schemeClr val="accent1"/>
-                </a:solidFill>
-              </a14:hiddenFill>
-            </a:ext>
-            <a:ext uri="{91240B29-F687-4f45-9708-019B960494DF}">
-              <a14:hiddenLine xmlns:a14="http://schemas.microsoft.com/office/drawing/2010/main" w="9525">
-                <a:solidFill>
-                  <a:schemeClr val="tx1"/>
-                </a:solidFill>
-                <a:miter lim="800000"/>
-                <a:headEnd/>
-                <a:tailEnd/>
-              </a14:hiddenLine>
-            </a:ext>
-            <a:ext uri="{AF507438-7753-43e0-B8FC-AC1667EBCBE1}">
-              <a14:hiddenEffects xmlns:a14="http://schemas.microsoft.com/office/drawing/2010/main">
-                <a:effectLst>
-                  <a:outerShdw blurRad="63500" dist="38099" dir="2700000" algn="ctr" rotWithShape="0">
-                    <a:schemeClr val="bg2">
-                      <a:alpha val="74998"/>
-                    </a:schemeClr>
-                  </a:outerShdw>
-                </a:effectLst>
-              </a14:hiddenEffects>
-            </a:ext>
-          </a:extLst>
         </p:spPr>
+        <p:style>
+          <a:lnRef idx="1">
+            <a:schemeClr val="accent1"/>
+          </a:lnRef>
+          <a:fillRef idx="3">
+            <a:schemeClr val="accent1"/>
+          </a:fillRef>
+          <a:effectRef idx="2">
+            <a:schemeClr val="accent1"/>
+          </a:effectRef>
+          <a:fontRef idx="minor">
+            <a:schemeClr val="lt1"/>
+          </a:fontRef>
+        </p:style>
         <p:txBody>
-          <a:bodyPr>
-            <a:spAutoFit/>
-          </a:bodyPr>
+          <a:bodyPr rtlCol="0" anchor="ctr"/>
           <a:lstStyle/>
           <a:p>
-            <a:pPr algn="ctr">
-              <a:spcBef>
-                <a:spcPct val="50000"/>
-              </a:spcBef>
-              <a:defRPr/>
-            </a:pPr>
-            <a:r>
-              <a:rPr lang="en-US">
-                <a:solidFill>
-                  <a:schemeClr val="bg1"/>
-                </a:solidFill>
-                <a:cs typeface="+mn-cs"/>
-              </a:rPr>
-              <a:t>Paravirtualization</a:t>
-            </a:r>
+            <a:pPr algn="ctr"/>
+            <a:endParaRPr lang="en-US"/>
           </a:p>
         </p:txBody>
       </p:sp>
       <p:sp>
         <p:nvSpPr>
-          <p:cNvPr id="31752" name="Text Box 8"/>
-          <p:cNvSpPr txBox="1">
-            <a:spLocks noChangeArrowheads="1"/>
-          </p:cNvSpPr>
+          <p:cNvPr id="19" name="Rectangle 18"/>
+          <p:cNvSpPr/>
           <p:nvPr/>
         </p:nvSpPr>
-        <p:spPr bwMode="auto">
+        <p:spPr>
           <a:xfrm>
-            <a:off x="4800600" y="1543050"/>
-            <a:ext cx="3505200" cy="369332"/>
+            <a:off x="7383024" y="3750727"/>
+            <a:ext cx="1714500" cy="330200"/>
+          </a:xfrm>
+          <a:prstGeom prst="rect">
+            <a:avLst/>
+          </a:prstGeom>
+          <a:solidFill>
+            <a:schemeClr val="tx1">
+              <a:lumMod val="65000"/>
+              <a:lumOff val="35000"/>
+            </a:schemeClr>
+          </a:solidFill>
+          <a:ln>
+            <a:noFill/>
+          </a:ln>
+          <a:effectLst/>
+        </p:spPr>
+        <p:style>
+          <a:lnRef idx="1">
+            <a:schemeClr val="accent1"/>
+          </a:lnRef>
+          <a:fillRef idx="3">
+            <a:schemeClr val="accent1"/>
+          </a:fillRef>
+          <a:effectRef idx="2">
+            <a:schemeClr val="accent1"/>
+          </a:effectRef>
+          <a:fontRef idx="minor">
+            <a:schemeClr val="lt1"/>
+          </a:fontRef>
+        </p:style>
+        <p:txBody>
+          <a:bodyPr rtlCol="0" anchor="ctr"/>
+          <a:lstStyle/>
+          <a:p>
+            <a:pPr algn="ctr"/>
+            <a:r>
+              <a:rPr lang="en-US" dirty="0" smtClean="0">
+                <a:latin typeface="Source Sans Pro"/>
+                <a:cs typeface="Source Sans Pro"/>
+              </a:rPr>
+              <a:t>Hardware</a:t>
+            </a:r>
+            <a:endParaRPr lang="en-US" dirty="0">
+              <a:latin typeface="Source Sans Pro"/>
+              <a:cs typeface="Source Sans Pro"/>
+            </a:endParaRPr>
+          </a:p>
+        </p:txBody>
+      </p:sp>
+      <p:sp>
+        <p:nvSpPr>
+          <p:cNvPr id="20" name="Rectangle 19"/>
+          <p:cNvSpPr/>
+          <p:nvPr/>
+        </p:nvSpPr>
+        <p:spPr>
+          <a:xfrm>
+            <a:off x="7383024" y="3458627"/>
+            <a:ext cx="1714500" cy="330200"/>
+          </a:xfrm>
+          <a:prstGeom prst="rect">
+            <a:avLst/>
+          </a:prstGeom>
+          <a:solidFill>
+            <a:srgbClr val="3D84C7"/>
+          </a:solidFill>
+          <a:ln>
+            <a:noFill/>
+          </a:ln>
+          <a:effectLst/>
+        </p:spPr>
+        <p:style>
+          <a:lnRef idx="1">
+            <a:schemeClr val="accent1"/>
+          </a:lnRef>
+          <a:fillRef idx="3">
+            <a:schemeClr val="accent1"/>
+          </a:fillRef>
+          <a:effectRef idx="2">
+            <a:schemeClr val="accent1"/>
+          </a:effectRef>
+          <a:fontRef idx="minor">
+            <a:schemeClr val="lt1"/>
+          </a:fontRef>
+        </p:style>
+        <p:txBody>
+          <a:bodyPr rtlCol="0" anchor="ctr"/>
+          <a:lstStyle/>
+          <a:p>
+            <a:pPr algn="ctr"/>
+            <a:r>
+              <a:rPr lang="en-US" dirty="0" smtClean="0">
+                <a:latin typeface="Source Sans Pro"/>
+                <a:cs typeface="Source Sans Pro"/>
+              </a:rPr>
+              <a:t>Host OS</a:t>
+            </a:r>
+            <a:endParaRPr lang="en-US" dirty="0">
+              <a:latin typeface="Source Sans Pro"/>
+              <a:cs typeface="Source Sans Pro"/>
+            </a:endParaRPr>
+          </a:p>
+        </p:txBody>
+      </p:sp>
+      <p:sp>
+        <p:nvSpPr>
+          <p:cNvPr id="23" name="Rectangle 22"/>
+          <p:cNvSpPr/>
+          <p:nvPr/>
+        </p:nvSpPr>
+        <p:spPr>
+          <a:xfrm>
+            <a:off x="7390431" y="2806732"/>
+            <a:ext cx="815976" cy="596900"/>
+          </a:xfrm>
+          <a:prstGeom prst="rect">
+            <a:avLst/>
+          </a:prstGeom>
+          <a:solidFill>
+            <a:srgbClr val="95CEE8"/>
+          </a:solidFill>
+          <a:ln>
+            <a:noFill/>
+          </a:ln>
+          <a:effectLst/>
+        </p:spPr>
+        <p:style>
+          <a:lnRef idx="1">
+            <a:schemeClr val="accent1"/>
+          </a:lnRef>
+          <a:fillRef idx="3">
+            <a:schemeClr val="accent1"/>
+          </a:fillRef>
+          <a:effectRef idx="2">
+            <a:schemeClr val="accent1"/>
+          </a:effectRef>
+          <a:fontRef idx="minor">
+            <a:schemeClr val="lt1"/>
+          </a:fontRef>
+        </p:style>
+        <p:txBody>
+          <a:bodyPr rtlCol="0" anchor="ctr"/>
+          <a:lstStyle/>
+          <a:p>
+            <a:pPr algn="ctr"/>
+            <a:r>
+              <a:rPr lang="en-US" dirty="0" smtClean="0">
+                <a:solidFill>
+                  <a:schemeClr val="tx1">
+                    <a:lumMod val="65000"/>
+                    <a:lumOff val="35000"/>
+                  </a:schemeClr>
+                </a:solidFill>
+                <a:latin typeface="Source Sans Pro"/>
+                <a:cs typeface="Source Sans Pro"/>
+              </a:rPr>
+              <a:t>Bins/Libs</a:t>
+            </a:r>
+            <a:endParaRPr lang="en-US" dirty="0">
+              <a:solidFill>
+                <a:schemeClr val="tx1">
+                  <a:lumMod val="65000"/>
+                  <a:lumOff val="35000"/>
+                </a:schemeClr>
+              </a:solidFill>
+              <a:latin typeface="Source Sans Pro"/>
+              <a:cs typeface="Source Sans Pro"/>
+            </a:endParaRPr>
+          </a:p>
+        </p:txBody>
+      </p:sp>
+      <p:sp>
+        <p:nvSpPr>
+          <p:cNvPr id="24" name="Rectangle 23"/>
+          <p:cNvSpPr/>
+          <p:nvPr/>
+        </p:nvSpPr>
+        <p:spPr>
+          <a:xfrm>
+            <a:off x="7390431" y="2336832"/>
+            <a:ext cx="812801" cy="419100"/>
+          </a:xfrm>
+          <a:prstGeom prst="rect">
+            <a:avLst/>
+          </a:prstGeom>
+          <a:solidFill>
+            <a:srgbClr val="95CEE8"/>
+          </a:solidFill>
+          <a:ln>
+            <a:noFill/>
+          </a:ln>
+          <a:effectLst/>
+        </p:spPr>
+        <p:style>
+          <a:lnRef idx="1">
+            <a:schemeClr val="accent1"/>
+          </a:lnRef>
+          <a:fillRef idx="3">
+            <a:schemeClr val="accent1"/>
+          </a:fillRef>
+          <a:effectRef idx="2">
+            <a:schemeClr val="accent1"/>
+          </a:effectRef>
+          <a:fontRef idx="minor">
+            <a:schemeClr val="lt1"/>
+          </a:fontRef>
+        </p:style>
+        <p:txBody>
+          <a:bodyPr rtlCol="0" anchor="ctr"/>
+          <a:lstStyle/>
+          <a:p>
+            <a:pPr algn="ctr"/>
+            <a:r>
+              <a:rPr lang="en-US" dirty="0" smtClean="0">
+                <a:solidFill>
+                  <a:schemeClr val="tx1">
+                    <a:lumMod val="65000"/>
+                    <a:lumOff val="35000"/>
+                  </a:schemeClr>
+                </a:solidFill>
+                <a:latin typeface="Source Sans Pro"/>
+                <a:cs typeface="Source Sans Pro"/>
+              </a:rPr>
+              <a:t>App A</a:t>
+            </a:r>
+            <a:endParaRPr lang="en-US" dirty="0">
+              <a:solidFill>
+                <a:schemeClr val="tx1">
+                  <a:lumMod val="65000"/>
+                  <a:lumOff val="35000"/>
+                </a:schemeClr>
+              </a:solidFill>
+              <a:latin typeface="Source Sans Pro"/>
+              <a:cs typeface="Source Sans Pro"/>
+            </a:endParaRPr>
+          </a:p>
+        </p:txBody>
+      </p:sp>
+      <p:sp>
+        <p:nvSpPr>
+          <p:cNvPr id="25" name="Rectangle 24"/>
+          <p:cNvSpPr/>
+          <p:nvPr/>
+        </p:nvSpPr>
+        <p:spPr>
+          <a:xfrm>
+            <a:off x="7387257" y="2336832"/>
+            <a:ext cx="812800" cy="1075273"/>
           </a:xfrm>
           <a:prstGeom prst="rect">
             <a:avLst/>
           </a:prstGeom>
           <a:noFill/>
           <a:ln>
+            <a:solidFill>
+              <a:schemeClr val="tx1">
+                <a:lumMod val="75000"/>
+                <a:lumOff val="25000"/>
+              </a:schemeClr>
+            </a:solidFill>
+          </a:ln>
+          <a:effectLst/>
+        </p:spPr>
+        <p:style>
+          <a:lnRef idx="1">
+            <a:schemeClr val="accent1"/>
+          </a:lnRef>
+          <a:fillRef idx="3">
+            <a:schemeClr val="accent1"/>
+          </a:fillRef>
+          <a:effectRef idx="2">
+            <a:schemeClr val="accent1"/>
+          </a:effectRef>
+          <a:fontRef idx="minor">
+            <a:schemeClr val="lt1"/>
+          </a:fontRef>
+        </p:style>
+        <p:txBody>
+          <a:bodyPr rtlCol="0" anchor="ctr"/>
+          <a:lstStyle/>
+          <a:p>
+            <a:pPr algn="ctr"/>
+            <a:endParaRPr lang="en-US"/>
+          </a:p>
+        </p:txBody>
+      </p:sp>
+      <p:sp>
+        <p:nvSpPr>
+          <p:cNvPr id="27" name="Rectangle 26"/>
+          <p:cNvSpPr/>
+          <p:nvPr/>
+        </p:nvSpPr>
+        <p:spPr>
+          <a:xfrm>
+            <a:off x="8270993" y="2806726"/>
+            <a:ext cx="815976" cy="596900"/>
+          </a:xfrm>
+          <a:prstGeom prst="rect">
+            <a:avLst/>
+          </a:prstGeom>
+          <a:solidFill>
+            <a:srgbClr val="95CEE8"/>
+          </a:solidFill>
+          <a:ln>
             <a:noFill/>
           </a:ln>
           <a:effectLst/>
-          <a:extLst>
-            <a:ext uri="{909E8E84-426E-40dd-AFC4-6F175D3DCCD1}">
-              <a14:hiddenFill xmlns:a14="http://schemas.microsoft.com/office/drawing/2010/main">
+        </p:spPr>
+        <p:style>
+          <a:lnRef idx="1">
+            <a:schemeClr val="accent1"/>
+          </a:lnRef>
+          <a:fillRef idx="3">
+            <a:schemeClr val="accent1"/>
+          </a:fillRef>
+          <a:effectRef idx="2">
+            <a:schemeClr val="accent1"/>
+          </a:effectRef>
+          <a:fontRef idx="minor">
+            <a:schemeClr val="lt1"/>
+          </a:fontRef>
+        </p:style>
+        <p:txBody>
+          <a:bodyPr rtlCol="0" anchor="ctr"/>
+          <a:lstStyle/>
+          <a:p>
+            <a:pPr algn="ctr"/>
+            <a:r>
+              <a:rPr lang="en-US" dirty="0" smtClean="0">
                 <a:solidFill>
-                  <a:schemeClr val="accent1"/>
+                  <a:schemeClr val="tx1">
+                    <a:lumMod val="65000"/>
+                    <a:lumOff val="35000"/>
+                  </a:schemeClr>
                 </a:solidFill>
-              </a14:hiddenFill>
-            </a:ext>
-            <a:ext uri="{91240B29-F687-4f45-9708-019B960494DF}">
-              <a14:hiddenLine xmlns:a14="http://schemas.microsoft.com/office/drawing/2010/main" w="9525">
+                <a:latin typeface="Source Sans Pro"/>
+                <a:cs typeface="Source Sans Pro"/>
+              </a:rPr>
+              <a:t>Bins/Libs</a:t>
+            </a:r>
+            <a:endParaRPr lang="en-US" dirty="0">
+              <a:solidFill>
+                <a:schemeClr val="tx1">
+                  <a:lumMod val="65000"/>
+                  <a:lumOff val="35000"/>
+                </a:schemeClr>
+              </a:solidFill>
+              <a:latin typeface="Source Sans Pro"/>
+              <a:cs typeface="Source Sans Pro"/>
+            </a:endParaRPr>
+          </a:p>
+        </p:txBody>
+      </p:sp>
+      <p:sp>
+        <p:nvSpPr>
+          <p:cNvPr id="28" name="Rectangle 27"/>
+          <p:cNvSpPr/>
+          <p:nvPr/>
+        </p:nvSpPr>
+        <p:spPr>
+          <a:xfrm>
+            <a:off x="8270993" y="2336826"/>
+            <a:ext cx="812801" cy="419100"/>
+          </a:xfrm>
+          <a:prstGeom prst="rect">
+            <a:avLst/>
+          </a:prstGeom>
+          <a:solidFill>
+            <a:srgbClr val="95CEE8"/>
+          </a:solidFill>
+          <a:ln>
+            <a:noFill/>
+          </a:ln>
+          <a:effectLst/>
+        </p:spPr>
+        <p:style>
+          <a:lnRef idx="1">
+            <a:schemeClr val="accent1"/>
+          </a:lnRef>
+          <a:fillRef idx="3">
+            <a:schemeClr val="accent1"/>
+          </a:fillRef>
+          <a:effectRef idx="2">
+            <a:schemeClr val="accent1"/>
+          </a:effectRef>
+          <a:fontRef idx="minor">
+            <a:schemeClr val="lt1"/>
+          </a:fontRef>
+        </p:style>
+        <p:txBody>
+          <a:bodyPr rtlCol="0" anchor="ctr"/>
+          <a:lstStyle/>
+          <a:p>
+            <a:pPr algn="ctr"/>
+            <a:r>
+              <a:rPr lang="en-US" dirty="0" smtClean="0">
                 <a:solidFill>
-                  <a:schemeClr val="tx1"/>
+                  <a:schemeClr val="tx1">
+                    <a:lumMod val="65000"/>
+                    <a:lumOff val="35000"/>
+                  </a:schemeClr>
                 </a:solidFill>
-                <a:miter lim="800000"/>
-                <a:headEnd/>
-                <a:tailEnd/>
-              </a14:hiddenLine>
-            </a:ext>
-            <a:ext uri="{AF507438-7753-43e0-B8FC-AC1667EBCBE1}">
-              <a14:hiddenEffects xmlns:a14="http://schemas.microsoft.com/office/drawing/2010/main">
-                <a:effectLst>
-                  <a:outerShdw blurRad="63500" dist="38099" dir="2700000" algn="ctr" rotWithShape="0">
-                    <a:schemeClr val="bg2">
-                      <a:alpha val="74998"/>
-                    </a:schemeClr>
-                  </a:outerShdw>
-                </a:effectLst>
-              </a14:hiddenEffects>
-            </a:ext>
-          </a:extLst>
+                <a:latin typeface="Source Sans Pro"/>
+                <a:cs typeface="Source Sans Pro"/>
+              </a:rPr>
+              <a:t>App B</a:t>
+            </a:r>
+            <a:endParaRPr lang="en-US" dirty="0">
+              <a:solidFill>
+                <a:schemeClr val="tx1">
+                  <a:lumMod val="65000"/>
+                  <a:lumOff val="35000"/>
+                </a:schemeClr>
+              </a:solidFill>
+              <a:latin typeface="Source Sans Pro"/>
+              <a:cs typeface="Source Sans Pro"/>
+            </a:endParaRPr>
+          </a:p>
+        </p:txBody>
+      </p:sp>
+      <p:sp>
+        <p:nvSpPr>
+          <p:cNvPr id="29" name="Rectangle 28"/>
+          <p:cNvSpPr/>
+          <p:nvPr/>
+        </p:nvSpPr>
+        <p:spPr>
+          <a:xfrm>
+            <a:off x="8267819" y="2336826"/>
+            <a:ext cx="812800" cy="1075279"/>
+          </a:xfrm>
+          <a:prstGeom prst="rect">
+            <a:avLst/>
+          </a:prstGeom>
+          <a:noFill/>
+          <a:ln>
+            <a:solidFill>
+              <a:schemeClr val="tx1">
+                <a:lumMod val="75000"/>
+                <a:lumOff val="25000"/>
+              </a:schemeClr>
+            </a:solidFill>
+          </a:ln>
+          <a:effectLst/>
+        </p:spPr>
+        <p:style>
+          <a:lnRef idx="1">
+            <a:schemeClr val="accent1"/>
+          </a:lnRef>
+          <a:fillRef idx="3">
+            <a:schemeClr val="accent1"/>
+          </a:fillRef>
+          <a:effectRef idx="2">
+            <a:schemeClr val="accent1"/>
+          </a:effectRef>
+          <a:fontRef idx="minor">
+            <a:schemeClr val="lt1"/>
+          </a:fontRef>
+        </p:style>
+        <p:txBody>
+          <a:bodyPr rtlCol="0" anchor="ctr"/>
+          <a:lstStyle/>
+          <a:p>
+            <a:pPr algn="ctr"/>
+            <a:endParaRPr lang="en-US"/>
+          </a:p>
+        </p:txBody>
+      </p:sp>
+      <p:sp>
+        <p:nvSpPr>
+          <p:cNvPr id="30" name="Rectangle 29"/>
+          <p:cNvSpPr/>
+          <p:nvPr/>
+        </p:nvSpPr>
+        <p:spPr>
+          <a:xfrm>
+            <a:off x="3700035" y="3759194"/>
+            <a:ext cx="1714500" cy="330200"/>
+          </a:xfrm>
+          <a:prstGeom prst="rect">
+            <a:avLst/>
+          </a:prstGeom>
+          <a:solidFill>
+            <a:schemeClr val="tx1">
+              <a:lumMod val="65000"/>
+              <a:lumOff val="35000"/>
+            </a:schemeClr>
+          </a:solidFill>
+          <a:ln>
+            <a:noFill/>
+          </a:ln>
+          <a:effectLst/>
+        </p:spPr>
+        <p:style>
+          <a:lnRef idx="1">
+            <a:schemeClr val="accent1"/>
+          </a:lnRef>
+          <a:fillRef idx="3">
+            <a:schemeClr val="accent1"/>
+          </a:fillRef>
+          <a:effectRef idx="2">
+            <a:schemeClr val="accent1"/>
+          </a:effectRef>
+          <a:fontRef idx="minor">
+            <a:schemeClr val="lt1"/>
+          </a:fontRef>
+        </p:style>
+        <p:txBody>
+          <a:bodyPr rtlCol="0" anchor="ctr"/>
+          <a:lstStyle/>
+          <a:p>
+            <a:pPr algn="ctr"/>
+            <a:r>
+              <a:rPr lang="en-US" dirty="0" smtClean="0">
+                <a:latin typeface="Source Sans Pro"/>
+                <a:cs typeface="Source Sans Pro"/>
+              </a:rPr>
+              <a:t>Hardware</a:t>
+            </a:r>
+            <a:endParaRPr lang="en-US" dirty="0">
+              <a:latin typeface="Source Sans Pro"/>
+              <a:cs typeface="Source Sans Pro"/>
+            </a:endParaRPr>
+          </a:p>
+        </p:txBody>
+      </p:sp>
+      <p:sp>
+        <p:nvSpPr>
+          <p:cNvPr id="31" name="Rectangle 30"/>
+          <p:cNvSpPr/>
+          <p:nvPr/>
+        </p:nvSpPr>
+        <p:spPr>
+          <a:xfrm>
+            <a:off x="3700035" y="3564467"/>
+            <a:ext cx="1714500" cy="198930"/>
+          </a:xfrm>
+          <a:prstGeom prst="rect">
+            <a:avLst/>
+          </a:prstGeom>
+          <a:solidFill>
+            <a:srgbClr val="0000FF"/>
+          </a:solidFill>
+          <a:ln>
+            <a:noFill/>
+          </a:ln>
+          <a:effectLst/>
+        </p:spPr>
+        <p:style>
+          <a:lnRef idx="1">
+            <a:schemeClr val="accent1"/>
+          </a:lnRef>
+          <a:fillRef idx="3">
+            <a:schemeClr val="accent1"/>
+          </a:fillRef>
+          <a:effectRef idx="2">
+            <a:schemeClr val="accent1"/>
+          </a:effectRef>
+          <a:fontRef idx="minor">
+            <a:schemeClr val="lt1"/>
+          </a:fontRef>
+        </p:style>
+        <p:txBody>
+          <a:bodyPr rtlCol="0" anchor="ctr"/>
+          <a:lstStyle/>
+          <a:p>
+            <a:pPr algn="ctr"/>
+            <a:r>
+              <a:rPr lang="en-US" sz="1400" dirty="0" err="1" smtClean="0">
+                <a:latin typeface="Source Sans Pro"/>
+                <a:cs typeface="Source Sans Pro"/>
+              </a:rPr>
+              <a:t>Exokernel</a:t>
+            </a:r>
+            <a:endParaRPr lang="en-US" sz="1400" dirty="0">
+              <a:latin typeface="Source Sans Pro"/>
+              <a:cs typeface="Source Sans Pro"/>
+            </a:endParaRPr>
+          </a:p>
+        </p:txBody>
+      </p:sp>
+      <p:sp>
+        <p:nvSpPr>
+          <p:cNvPr id="32" name="Rectangle 31"/>
+          <p:cNvSpPr/>
+          <p:nvPr/>
+        </p:nvSpPr>
+        <p:spPr>
+          <a:xfrm>
+            <a:off x="3707442" y="2916803"/>
+            <a:ext cx="815976" cy="596900"/>
+          </a:xfrm>
+          <a:prstGeom prst="rect">
+            <a:avLst/>
+          </a:prstGeom>
+          <a:solidFill>
+            <a:srgbClr val="95CEE8"/>
+          </a:solidFill>
+          <a:ln>
+            <a:noFill/>
+          </a:ln>
+          <a:effectLst/>
+        </p:spPr>
+        <p:style>
+          <a:lnRef idx="1">
+            <a:schemeClr val="accent1"/>
+          </a:lnRef>
+          <a:fillRef idx="3">
+            <a:schemeClr val="accent1"/>
+          </a:fillRef>
+          <a:effectRef idx="2">
+            <a:schemeClr val="accent1"/>
+          </a:effectRef>
+          <a:fontRef idx="minor">
+            <a:schemeClr val="lt1"/>
+          </a:fontRef>
+        </p:style>
+        <p:txBody>
+          <a:bodyPr rtlCol="0" anchor="ctr"/>
+          <a:lstStyle/>
+          <a:p>
+            <a:pPr algn="ctr"/>
+            <a:r>
+              <a:rPr lang="en-US" dirty="0" err="1" smtClean="0">
+                <a:solidFill>
+                  <a:schemeClr val="tx1">
+                    <a:lumMod val="65000"/>
+                    <a:lumOff val="35000"/>
+                  </a:schemeClr>
+                </a:solidFill>
+                <a:latin typeface="Source Sans Pro"/>
+                <a:cs typeface="Source Sans Pro"/>
+              </a:rPr>
+              <a:t>LibOS</a:t>
+            </a:r>
+            <a:endParaRPr lang="en-US" dirty="0">
+              <a:solidFill>
+                <a:schemeClr val="tx1">
+                  <a:lumMod val="65000"/>
+                  <a:lumOff val="35000"/>
+                </a:schemeClr>
+              </a:solidFill>
+              <a:latin typeface="Source Sans Pro"/>
+              <a:cs typeface="Source Sans Pro"/>
+            </a:endParaRPr>
+          </a:p>
+        </p:txBody>
+      </p:sp>
+      <p:sp>
+        <p:nvSpPr>
+          <p:cNvPr id="33" name="Rectangle 32"/>
+          <p:cNvSpPr/>
+          <p:nvPr/>
+        </p:nvSpPr>
+        <p:spPr>
+          <a:xfrm>
+            <a:off x="3707442" y="2446903"/>
+            <a:ext cx="812801" cy="419100"/>
+          </a:xfrm>
+          <a:prstGeom prst="rect">
+            <a:avLst/>
+          </a:prstGeom>
+          <a:solidFill>
+            <a:srgbClr val="95CEE8"/>
+          </a:solidFill>
+          <a:ln>
+            <a:noFill/>
+          </a:ln>
+          <a:effectLst/>
+        </p:spPr>
+        <p:style>
+          <a:lnRef idx="1">
+            <a:schemeClr val="accent1"/>
+          </a:lnRef>
+          <a:fillRef idx="3">
+            <a:schemeClr val="accent1"/>
+          </a:fillRef>
+          <a:effectRef idx="2">
+            <a:schemeClr val="accent1"/>
+          </a:effectRef>
+          <a:fontRef idx="minor">
+            <a:schemeClr val="lt1"/>
+          </a:fontRef>
+        </p:style>
+        <p:txBody>
+          <a:bodyPr rtlCol="0" anchor="ctr"/>
+          <a:lstStyle/>
+          <a:p>
+            <a:pPr algn="ctr"/>
+            <a:r>
+              <a:rPr lang="en-US" dirty="0" smtClean="0">
+                <a:solidFill>
+                  <a:schemeClr val="tx1">
+                    <a:lumMod val="65000"/>
+                    <a:lumOff val="35000"/>
+                  </a:schemeClr>
+                </a:solidFill>
+                <a:latin typeface="Source Sans Pro"/>
+                <a:cs typeface="Source Sans Pro"/>
+              </a:rPr>
+              <a:t>App A</a:t>
+            </a:r>
+            <a:endParaRPr lang="en-US" dirty="0">
+              <a:solidFill>
+                <a:schemeClr val="tx1">
+                  <a:lumMod val="65000"/>
+                  <a:lumOff val="35000"/>
+                </a:schemeClr>
+              </a:solidFill>
+              <a:latin typeface="Source Sans Pro"/>
+              <a:cs typeface="Source Sans Pro"/>
+            </a:endParaRPr>
+          </a:p>
+        </p:txBody>
+      </p:sp>
+      <p:sp>
+        <p:nvSpPr>
+          <p:cNvPr id="34" name="Rectangle 33"/>
+          <p:cNvSpPr/>
+          <p:nvPr/>
+        </p:nvSpPr>
+        <p:spPr>
+          <a:xfrm>
+            <a:off x="3704268" y="2446903"/>
+            <a:ext cx="812800" cy="1075273"/>
+          </a:xfrm>
+          <a:prstGeom prst="rect">
+            <a:avLst/>
+          </a:prstGeom>
+          <a:noFill/>
+          <a:ln>
+            <a:solidFill>
+              <a:schemeClr val="tx1">
+                <a:lumMod val="75000"/>
+                <a:lumOff val="25000"/>
+              </a:schemeClr>
+            </a:solidFill>
+          </a:ln>
+          <a:effectLst/>
+        </p:spPr>
+        <p:style>
+          <a:lnRef idx="1">
+            <a:schemeClr val="accent1"/>
+          </a:lnRef>
+          <a:fillRef idx="3">
+            <a:schemeClr val="accent1"/>
+          </a:fillRef>
+          <a:effectRef idx="2">
+            <a:schemeClr val="accent1"/>
+          </a:effectRef>
+          <a:fontRef idx="minor">
+            <a:schemeClr val="lt1"/>
+          </a:fontRef>
+        </p:style>
+        <p:txBody>
+          <a:bodyPr rtlCol="0" anchor="ctr"/>
+          <a:lstStyle/>
+          <a:p>
+            <a:pPr algn="ctr"/>
+            <a:endParaRPr lang="en-US"/>
+          </a:p>
+        </p:txBody>
+      </p:sp>
+      <p:sp>
+        <p:nvSpPr>
+          <p:cNvPr id="35" name="Rectangle 34"/>
+          <p:cNvSpPr/>
+          <p:nvPr/>
+        </p:nvSpPr>
+        <p:spPr>
+          <a:xfrm>
+            <a:off x="4588004" y="2916797"/>
+            <a:ext cx="815976" cy="596900"/>
+          </a:xfrm>
+          <a:prstGeom prst="rect">
+            <a:avLst/>
+          </a:prstGeom>
+          <a:solidFill>
+            <a:srgbClr val="95CEE8"/>
+          </a:solidFill>
+          <a:ln>
+            <a:noFill/>
+          </a:ln>
+          <a:effectLst/>
+        </p:spPr>
+        <p:style>
+          <a:lnRef idx="1">
+            <a:schemeClr val="accent1"/>
+          </a:lnRef>
+          <a:fillRef idx="3">
+            <a:schemeClr val="accent1"/>
+          </a:fillRef>
+          <a:effectRef idx="2">
+            <a:schemeClr val="accent1"/>
+          </a:effectRef>
+          <a:fontRef idx="minor">
+            <a:schemeClr val="lt1"/>
+          </a:fontRef>
+        </p:style>
+        <p:txBody>
+          <a:bodyPr rtlCol="0" anchor="ctr"/>
+          <a:lstStyle/>
+          <a:p>
+            <a:pPr algn="ctr"/>
+            <a:r>
+              <a:rPr lang="en-US" dirty="0" err="1" smtClean="0">
+                <a:solidFill>
+                  <a:schemeClr val="tx1">
+                    <a:lumMod val="65000"/>
+                    <a:lumOff val="35000"/>
+                  </a:schemeClr>
+                </a:solidFill>
+                <a:latin typeface="Source Sans Pro"/>
+                <a:cs typeface="Source Sans Pro"/>
+              </a:rPr>
+              <a:t>LibOS</a:t>
+            </a:r>
+            <a:endParaRPr lang="en-US" dirty="0">
+              <a:solidFill>
+                <a:schemeClr val="tx1">
+                  <a:lumMod val="65000"/>
+                  <a:lumOff val="35000"/>
+                </a:schemeClr>
+              </a:solidFill>
+              <a:latin typeface="Source Sans Pro"/>
+              <a:cs typeface="Source Sans Pro"/>
+            </a:endParaRPr>
+          </a:p>
+        </p:txBody>
+      </p:sp>
+      <p:sp>
+        <p:nvSpPr>
+          <p:cNvPr id="36" name="Rectangle 35"/>
+          <p:cNvSpPr/>
+          <p:nvPr/>
+        </p:nvSpPr>
+        <p:spPr>
+          <a:xfrm>
+            <a:off x="4588004" y="2446897"/>
+            <a:ext cx="812801" cy="419100"/>
+          </a:xfrm>
+          <a:prstGeom prst="rect">
+            <a:avLst/>
+          </a:prstGeom>
+          <a:solidFill>
+            <a:srgbClr val="95CEE8"/>
+          </a:solidFill>
+          <a:ln>
+            <a:noFill/>
+          </a:ln>
+          <a:effectLst/>
+        </p:spPr>
+        <p:style>
+          <a:lnRef idx="1">
+            <a:schemeClr val="accent1"/>
+          </a:lnRef>
+          <a:fillRef idx="3">
+            <a:schemeClr val="accent1"/>
+          </a:fillRef>
+          <a:effectRef idx="2">
+            <a:schemeClr val="accent1"/>
+          </a:effectRef>
+          <a:fontRef idx="minor">
+            <a:schemeClr val="lt1"/>
+          </a:fontRef>
+        </p:style>
+        <p:txBody>
+          <a:bodyPr rtlCol="0" anchor="ctr"/>
+          <a:lstStyle/>
+          <a:p>
+            <a:pPr algn="ctr"/>
+            <a:r>
+              <a:rPr lang="en-US" dirty="0" smtClean="0">
+                <a:solidFill>
+                  <a:schemeClr val="tx1">
+                    <a:lumMod val="65000"/>
+                    <a:lumOff val="35000"/>
+                  </a:schemeClr>
+                </a:solidFill>
+                <a:latin typeface="Source Sans Pro"/>
+                <a:cs typeface="Source Sans Pro"/>
+              </a:rPr>
+              <a:t>App B</a:t>
+            </a:r>
+            <a:endParaRPr lang="en-US" dirty="0">
+              <a:solidFill>
+                <a:schemeClr val="tx1">
+                  <a:lumMod val="65000"/>
+                  <a:lumOff val="35000"/>
+                </a:schemeClr>
+              </a:solidFill>
+              <a:latin typeface="Source Sans Pro"/>
+              <a:cs typeface="Source Sans Pro"/>
+            </a:endParaRPr>
+          </a:p>
+        </p:txBody>
+      </p:sp>
+      <p:sp>
+        <p:nvSpPr>
+          <p:cNvPr id="37" name="Rectangle 36"/>
+          <p:cNvSpPr/>
+          <p:nvPr/>
+        </p:nvSpPr>
+        <p:spPr>
+          <a:xfrm>
+            <a:off x="4584830" y="2446897"/>
+            <a:ext cx="812800" cy="1075279"/>
+          </a:xfrm>
+          <a:prstGeom prst="rect">
+            <a:avLst/>
+          </a:prstGeom>
+          <a:noFill/>
+          <a:ln>
+            <a:solidFill>
+              <a:schemeClr val="tx1">
+                <a:lumMod val="75000"/>
+                <a:lumOff val="25000"/>
+              </a:schemeClr>
+            </a:solidFill>
+          </a:ln>
+          <a:effectLst/>
+        </p:spPr>
+        <p:style>
+          <a:lnRef idx="1">
+            <a:schemeClr val="accent1"/>
+          </a:lnRef>
+          <a:fillRef idx="3">
+            <a:schemeClr val="accent1"/>
+          </a:fillRef>
+          <a:effectRef idx="2">
+            <a:schemeClr val="accent1"/>
+          </a:effectRef>
+          <a:fontRef idx="minor">
+            <a:schemeClr val="lt1"/>
+          </a:fontRef>
+        </p:style>
+        <p:txBody>
+          <a:bodyPr rtlCol="0" anchor="ctr"/>
+          <a:lstStyle/>
+          <a:p>
+            <a:pPr algn="ctr"/>
+            <a:endParaRPr lang="en-US"/>
+          </a:p>
+        </p:txBody>
+      </p:sp>
+      <p:sp>
+        <p:nvSpPr>
+          <p:cNvPr id="38" name="Rectangle 37"/>
+          <p:cNvSpPr/>
+          <p:nvPr/>
+        </p:nvSpPr>
+        <p:spPr>
+          <a:xfrm>
+            <a:off x="1909324" y="3763427"/>
+            <a:ext cx="1714500" cy="330200"/>
+          </a:xfrm>
+          <a:prstGeom prst="rect">
+            <a:avLst/>
+          </a:prstGeom>
+          <a:solidFill>
+            <a:schemeClr val="tx1">
+              <a:lumMod val="65000"/>
+              <a:lumOff val="35000"/>
+            </a:schemeClr>
+          </a:solidFill>
+          <a:ln>
+            <a:noFill/>
+          </a:ln>
+          <a:effectLst/>
+        </p:spPr>
+        <p:style>
+          <a:lnRef idx="1">
+            <a:schemeClr val="accent1"/>
+          </a:lnRef>
+          <a:fillRef idx="3">
+            <a:schemeClr val="accent1"/>
+          </a:fillRef>
+          <a:effectRef idx="2">
+            <a:schemeClr val="accent1"/>
+          </a:effectRef>
+          <a:fontRef idx="minor">
+            <a:schemeClr val="lt1"/>
+          </a:fontRef>
+        </p:style>
+        <p:txBody>
+          <a:bodyPr rtlCol="0" anchor="ctr"/>
+          <a:lstStyle/>
+          <a:p>
+            <a:pPr algn="ctr"/>
+            <a:r>
+              <a:rPr lang="en-US" dirty="0" smtClean="0">
+                <a:latin typeface="Source Sans Pro"/>
+                <a:cs typeface="Source Sans Pro"/>
+              </a:rPr>
+              <a:t>Hardware</a:t>
+            </a:r>
+            <a:endParaRPr lang="en-US" dirty="0">
+              <a:latin typeface="Source Sans Pro"/>
+              <a:cs typeface="Source Sans Pro"/>
+            </a:endParaRPr>
+          </a:p>
+        </p:txBody>
+      </p:sp>
+      <p:sp>
+        <p:nvSpPr>
+          <p:cNvPr id="39" name="Rectangle 38"/>
+          <p:cNvSpPr/>
+          <p:nvPr/>
+        </p:nvSpPr>
+        <p:spPr>
+          <a:xfrm>
+            <a:off x="1909324" y="2984500"/>
+            <a:ext cx="1714500" cy="817027"/>
+          </a:xfrm>
+          <a:prstGeom prst="rect">
+            <a:avLst/>
+          </a:prstGeom>
+          <a:solidFill>
+            <a:srgbClr val="3D84C7"/>
+          </a:solidFill>
+          <a:ln>
+            <a:noFill/>
+          </a:ln>
+          <a:effectLst/>
+        </p:spPr>
+        <p:style>
+          <a:lnRef idx="1">
+            <a:schemeClr val="accent1"/>
+          </a:lnRef>
+          <a:fillRef idx="3">
+            <a:schemeClr val="accent1"/>
+          </a:fillRef>
+          <a:effectRef idx="2">
+            <a:schemeClr val="accent1"/>
+          </a:effectRef>
+          <a:fontRef idx="minor">
+            <a:schemeClr val="lt1"/>
+          </a:fontRef>
+        </p:style>
+        <p:txBody>
+          <a:bodyPr rtlCol="0" anchor="ctr"/>
+          <a:lstStyle/>
+          <a:p>
+            <a:pPr algn="ctr"/>
+            <a:endParaRPr lang="en-US" dirty="0" smtClean="0">
+              <a:latin typeface="Source Sans Pro"/>
+              <a:cs typeface="Source Sans Pro"/>
+            </a:endParaRPr>
+          </a:p>
+          <a:p>
+            <a:pPr algn="ctr"/>
+            <a:endParaRPr lang="en-US" sz="1000" dirty="0" smtClean="0">
+              <a:latin typeface="Source Sans Pro"/>
+              <a:cs typeface="Source Sans Pro"/>
+            </a:endParaRPr>
+          </a:p>
+          <a:p>
+            <a:pPr algn="ctr"/>
+            <a:r>
+              <a:rPr lang="en-US" dirty="0" smtClean="0">
+                <a:latin typeface="Source Sans Pro"/>
+                <a:cs typeface="Source Sans Pro"/>
+              </a:rPr>
+              <a:t>SPIN</a:t>
+            </a:r>
+            <a:endParaRPr lang="en-US" dirty="0">
+              <a:latin typeface="Source Sans Pro"/>
+              <a:cs typeface="Source Sans Pro"/>
+            </a:endParaRPr>
+          </a:p>
+        </p:txBody>
+      </p:sp>
+      <p:sp>
+        <p:nvSpPr>
+          <p:cNvPr id="40" name="Rectangle 39"/>
+          <p:cNvSpPr/>
+          <p:nvPr/>
+        </p:nvSpPr>
+        <p:spPr>
+          <a:xfrm>
+            <a:off x="1929431" y="2336832"/>
+            <a:ext cx="815976" cy="596900"/>
+          </a:xfrm>
+          <a:prstGeom prst="rect">
+            <a:avLst/>
+          </a:prstGeom>
+          <a:solidFill>
+            <a:srgbClr val="95CEE8"/>
+          </a:solidFill>
+          <a:ln>
+            <a:noFill/>
+          </a:ln>
+          <a:effectLst/>
+        </p:spPr>
+        <p:style>
+          <a:lnRef idx="1">
+            <a:schemeClr val="accent1"/>
+          </a:lnRef>
+          <a:fillRef idx="3">
+            <a:schemeClr val="accent1"/>
+          </a:fillRef>
+          <a:effectRef idx="2">
+            <a:schemeClr val="accent1"/>
+          </a:effectRef>
+          <a:fontRef idx="minor">
+            <a:schemeClr val="lt1"/>
+          </a:fontRef>
+        </p:style>
+        <p:txBody>
+          <a:bodyPr rtlCol="0" anchor="ctr"/>
+          <a:lstStyle/>
+          <a:p>
+            <a:pPr algn="ctr"/>
+            <a:r>
+              <a:rPr lang="en-US" dirty="0" smtClean="0">
+                <a:solidFill>
+                  <a:schemeClr val="tx1">
+                    <a:lumMod val="65000"/>
+                    <a:lumOff val="35000"/>
+                  </a:schemeClr>
+                </a:solidFill>
+                <a:latin typeface="Source Sans Pro"/>
+                <a:cs typeface="Source Sans Pro"/>
+              </a:rPr>
+              <a:t>Bins/Libs</a:t>
+            </a:r>
+            <a:endParaRPr lang="en-US" dirty="0">
+              <a:solidFill>
+                <a:schemeClr val="tx1">
+                  <a:lumMod val="65000"/>
+                  <a:lumOff val="35000"/>
+                </a:schemeClr>
+              </a:solidFill>
+              <a:latin typeface="Source Sans Pro"/>
+              <a:cs typeface="Source Sans Pro"/>
+            </a:endParaRPr>
+          </a:p>
+        </p:txBody>
+      </p:sp>
+      <p:sp>
+        <p:nvSpPr>
+          <p:cNvPr id="41" name="Rectangle 40"/>
+          <p:cNvSpPr/>
+          <p:nvPr/>
+        </p:nvSpPr>
+        <p:spPr>
+          <a:xfrm>
+            <a:off x="1929431" y="1866932"/>
+            <a:ext cx="812801" cy="419100"/>
+          </a:xfrm>
+          <a:prstGeom prst="rect">
+            <a:avLst/>
+          </a:prstGeom>
+          <a:solidFill>
+            <a:srgbClr val="95CEE8"/>
+          </a:solidFill>
+          <a:ln>
+            <a:noFill/>
+          </a:ln>
+          <a:effectLst/>
+        </p:spPr>
+        <p:style>
+          <a:lnRef idx="1">
+            <a:schemeClr val="accent1"/>
+          </a:lnRef>
+          <a:fillRef idx="3">
+            <a:schemeClr val="accent1"/>
+          </a:fillRef>
+          <a:effectRef idx="2">
+            <a:schemeClr val="accent1"/>
+          </a:effectRef>
+          <a:fontRef idx="minor">
+            <a:schemeClr val="lt1"/>
+          </a:fontRef>
+        </p:style>
+        <p:txBody>
+          <a:bodyPr rtlCol="0" anchor="ctr"/>
+          <a:lstStyle/>
+          <a:p>
+            <a:pPr algn="ctr"/>
+            <a:r>
+              <a:rPr lang="en-US" dirty="0" smtClean="0">
+                <a:solidFill>
+                  <a:schemeClr val="tx1">
+                    <a:lumMod val="65000"/>
+                    <a:lumOff val="35000"/>
+                  </a:schemeClr>
+                </a:solidFill>
+                <a:latin typeface="Source Sans Pro"/>
+                <a:cs typeface="Source Sans Pro"/>
+              </a:rPr>
+              <a:t>App A</a:t>
+            </a:r>
+            <a:endParaRPr lang="en-US" dirty="0">
+              <a:solidFill>
+                <a:schemeClr val="tx1">
+                  <a:lumMod val="65000"/>
+                  <a:lumOff val="35000"/>
+                </a:schemeClr>
+              </a:solidFill>
+              <a:latin typeface="Source Sans Pro"/>
+              <a:cs typeface="Source Sans Pro"/>
+            </a:endParaRPr>
+          </a:p>
+        </p:txBody>
+      </p:sp>
+      <p:sp>
+        <p:nvSpPr>
+          <p:cNvPr id="42" name="Rectangle 41"/>
+          <p:cNvSpPr/>
+          <p:nvPr/>
+        </p:nvSpPr>
+        <p:spPr>
+          <a:xfrm>
+            <a:off x="1926257" y="1866932"/>
+            <a:ext cx="812800" cy="1075273"/>
+          </a:xfrm>
+          <a:prstGeom prst="rect">
+            <a:avLst/>
+          </a:prstGeom>
+          <a:noFill/>
+          <a:ln>
+            <a:solidFill>
+              <a:schemeClr val="tx1">
+                <a:lumMod val="75000"/>
+                <a:lumOff val="25000"/>
+              </a:schemeClr>
+            </a:solidFill>
+          </a:ln>
+          <a:effectLst/>
+        </p:spPr>
+        <p:style>
+          <a:lnRef idx="1">
+            <a:schemeClr val="accent1"/>
+          </a:lnRef>
+          <a:fillRef idx="3">
+            <a:schemeClr val="accent1"/>
+          </a:fillRef>
+          <a:effectRef idx="2">
+            <a:schemeClr val="accent1"/>
+          </a:effectRef>
+          <a:fontRef idx="minor">
+            <a:schemeClr val="lt1"/>
+          </a:fontRef>
+        </p:style>
+        <p:txBody>
+          <a:bodyPr rtlCol="0" anchor="ctr"/>
+          <a:lstStyle/>
+          <a:p>
+            <a:pPr algn="ctr"/>
+            <a:endParaRPr lang="en-US"/>
+          </a:p>
+        </p:txBody>
+      </p:sp>
+      <p:sp>
+        <p:nvSpPr>
+          <p:cNvPr id="43" name="Rectangle 42"/>
+          <p:cNvSpPr/>
+          <p:nvPr/>
+        </p:nvSpPr>
+        <p:spPr>
+          <a:xfrm>
+            <a:off x="2809993" y="2336826"/>
+            <a:ext cx="815976" cy="596900"/>
+          </a:xfrm>
+          <a:prstGeom prst="rect">
+            <a:avLst/>
+          </a:prstGeom>
+          <a:solidFill>
+            <a:srgbClr val="95CEE8"/>
+          </a:solidFill>
+          <a:ln>
+            <a:noFill/>
+          </a:ln>
+          <a:effectLst/>
+        </p:spPr>
+        <p:style>
+          <a:lnRef idx="1">
+            <a:schemeClr val="accent1"/>
+          </a:lnRef>
+          <a:fillRef idx="3">
+            <a:schemeClr val="accent1"/>
+          </a:fillRef>
+          <a:effectRef idx="2">
+            <a:schemeClr val="accent1"/>
+          </a:effectRef>
+          <a:fontRef idx="minor">
+            <a:schemeClr val="lt1"/>
+          </a:fontRef>
+        </p:style>
+        <p:txBody>
+          <a:bodyPr rtlCol="0" anchor="ctr"/>
+          <a:lstStyle/>
+          <a:p>
+            <a:pPr algn="ctr"/>
+            <a:r>
+              <a:rPr lang="en-US" dirty="0" smtClean="0">
+                <a:solidFill>
+                  <a:schemeClr val="tx1">
+                    <a:lumMod val="65000"/>
+                    <a:lumOff val="35000"/>
+                  </a:schemeClr>
+                </a:solidFill>
+                <a:latin typeface="Source Sans Pro"/>
+                <a:cs typeface="Source Sans Pro"/>
+              </a:rPr>
+              <a:t>Bins/Libs</a:t>
+            </a:r>
+            <a:endParaRPr lang="en-US" dirty="0">
+              <a:solidFill>
+                <a:schemeClr val="tx1">
+                  <a:lumMod val="65000"/>
+                  <a:lumOff val="35000"/>
+                </a:schemeClr>
+              </a:solidFill>
+              <a:latin typeface="Source Sans Pro"/>
+              <a:cs typeface="Source Sans Pro"/>
+            </a:endParaRPr>
+          </a:p>
+        </p:txBody>
+      </p:sp>
+      <p:sp>
+        <p:nvSpPr>
+          <p:cNvPr id="44" name="Rectangle 43"/>
+          <p:cNvSpPr/>
+          <p:nvPr/>
+        </p:nvSpPr>
+        <p:spPr>
+          <a:xfrm>
+            <a:off x="2809993" y="1866926"/>
+            <a:ext cx="812801" cy="419100"/>
+          </a:xfrm>
+          <a:prstGeom prst="rect">
+            <a:avLst/>
+          </a:prstGeom>
+          <a:solidFill>
+            <a:srgbClr val="95CEE8"/>
+          </a:solidFill>
+          <a:ln>
+            <a:noFill/>
+          </a:ln>
+          <a:effectLst/>
+        </p:spPr>
+        <p:style>
+          <a:lnRef idx="1">
+            <a:schemeClr val="accent1"/>
+          </a:lnRef>
+          <a:fillRef idx="3">
+            <a:schemeClr val="accent1"/>
+          </a:fillRef>
+          <a:effectRef idx="2">
+            <a:schemeClr val="accent1"/>
+          </a:effectRef>
+          <a:fontRef idx="minor">
+            <a:schemeClr val="lt1"/>
+          </a:fontRef>
+        </p:style>
+        <p:txBody>
+          <a:bodyPr rtlCol="0" anchor="ctr"/>
+          <a:lstStyle/>
+          <a:p>
+            <a:pPr algn="ctr"/>
+            <a:r>
+              <a:rPr lang="en-US" dirty="0" smtClean="0">
+                <a:solidFill>
+                  <a:schemeClr val="tx1">
+                    <a:lumMod val="65000"/>
+                    <a:lumOff val="35000"/>
+                  </a:schemeClr>
+                </a:solidFill>
+                <a:latin typeface="Source Sans Pro"/>
+                <a:cs typeface="Source Sans Pro"/>
+              </a:rPr>
+              <a:t>App B</a:t>
+            </a:r>
+            <a:endParaRPr lang="en-US" dirty="0">
+              <a:solidFill>
+                <a:schemeClr val="tx1">
+                  <a:lumMod val="65000"/>
+                  <a:lumOff val="35000"/>
+                </a:schemeClr>
+              </a:solidFill>
+              <a:latin typeface="Source Sans Pro"/>
+              <a:cs typeface="Source Sans Pro"/>
+            </a:endParaRPr>
+          </a:p>
+        </p:txBody>
+      </p:sp>
+      <p:sp>
+        <p:nvSpPr>
+          <p:cNvPr id="45" name="Rectangle 44"/>
+          <p:cNvSpPr/>
+          <p:nvPr/>
+        </p:nvSpPr>
+        <p:spPr>
+          <a:xfrm>
+            <a:off x="2806819" y="1866926"/>
+            <a:ext cx="812800" cy="1075279"/>
+          </a:xfrm>
+          <a:prstGeom prst="rect">
+            <a:avLst/>
+          </a:prstGeom>
+          <a:noFill/>
+          <a:ln>
+            <a:solidFill>
+              <a:schemeClr val="tx1">
+                <a:lumMod val="75000"/>
+                <a:lumOff val="25000"/>
+              </a:schemeClr>
+            </a:solidFill>
+          </a:ln>
+          <a:effectLst/>
+        </p:spPr>
+        <p:style>
+          <a:lnRef idx="1">
+            <a:schemeClr val="accent1"/>
+          </a:lnRef>
+          <a:fillRef idx="3">
+            <a:schemeClr val="accent1"/>
+          </a:fillRef>
+          <a:effectRef idx="2">
+            <a:schemeClr val="accent1"/>
+          </a:effectRef>
+          <a:fontRef idx="minor">
+            <a:schemeClr val="lt1"/>
+          </a:fontRef>
+        </p:style>
+        <p:txBody>
+          <a:bodyPr rtlCol="0" anchor="ctr"/>
+          <a:lstStyle/>
+          <a:p>
+            <a:pPr algn="ctr"/>
+            <a:endParaRPr lang="en-US"/>
+          </a:p>
+        </p:txBody>
+      </p:sp>
+      <p:sp>
+        <p:nvSpPr>
+          <p:cNvPr id="46" name="Rectangle 45"/>
+          <p:cNvSpPr/>
+          <p:nvPr/>
+        </p:nvSpPr>
+        <p:spPr>
+          <a:xfrm>
+            <a:off x="2120900" y="3098800"/>
+            <a:ext cx="1282700" cy="330200"/>
+          </a:xfrm>
+          <a:prstGeom prst="rect">
+            <a:avLst/>
+          </a:prstGeom>
+          <a:solidFill>
+            <a:srgbClr val="95CEE8"/>
+          </a:solidFill>
+          <a:ln>
+            <a:noFill/>
+          </a:ln>
+          <a:effectLst/>
+        </p:spPr>
+        <p:style>
+          <a:lnRef idx="1">
+            <a:schemeClr val="accent1"/>
+          </a:lnRef>
+          <a:fillRef idx="3">
+            <a:schemeClr val="accent1"/>
+          </a:fillRef>
+          <a:effectRef idx="2">
+            <a:schemeClr val="accent1"/>
+          </a:effectRef>
+          <a:fontRef idx="minor">
+            <a:schemeClr val="lt1"/>
+          </a:fontRef>
+        </p:style>
+        <p:txBody>
+          <a:bodyPr rtlCol="0" anchor="ctr"/>
+          <a:lstStyle/>
+          <a:p>
+            <a:pPr algn="ctr"/>
+            <a:r>
+              <a:rPr lang="en-US" sz="1600" dirty="0" smtClean="0">
+                <a:solidFill>
+                  <a:srgbClr val="595959"/>
+                </a:solidFill>
+                <a:latin typeface="Source Sans Pro"/>
+                <a:cs typeface="Source Sans Pro"/>
+              </a:rPr>
+              <a:t>Extensions</a:t>
+            </a:r>
+            <a:endParaRPr lang="en-US" sz="1600" dirty="0">
+              <a:solidFill>
+                <a:srgbClr val="595959"/>
+              </a:solidFill>
+              <a:latin typeface="Source Sans Pro"/>
+              <a:cs typeface="Source Sans Pro"/>
+            </a:endParaRPr>
+          </a:p>
+        </p:txBody>
+      </p:sp>
+      <p:sp>
+        <p:nvSpPr>
+          <p:cNvPr id="47" name="Rectangle 46"/>
+          <p:cNvSpPr/>
+          <p:nvPr/>
+        </p:nvSpPr>
+        <p:spPr>
+          <a:xfrm>
+            <a:off x="67824" y="3750727"/>
+            <a:ext cx="1714500" cy="330200"/>
+          </a:xfrm>
+          <a:prstGeom prst="rect">
+            <a:avLst/>
+          </a:prstGeom>
+          <a:solidFill>
+            <a:schemeClr val="tx1">
+              <a:lumMod val="65000"/>
+              <a:lumOff val="35000"/>
+            </a:schemeClr>
+          </a:solidFill>
+          <a:ln>
+            <a:noFill/>
+          </a:ln>
+          <a:effectLst/>
+        </p:spPr>
+        <p:style>
+          <a:lnRef idx="1">
+            <a:schemeClr val="accent1"/>
+          </a:lnRef>
+          <a:fillRef idx="3">
+            <a:schemeClr val="accent1"/>
+          </a:fillRef>
+          <a:effectRef idx="2">
+            <a:schemeClr val="accent1"/>
+          </a:effectRef>
+          <a:fontRef idx="minor">
+            <a:schemeClr val="lt1"/>
+          </a:fontRef>
+        </p:style>
+        <p:txBody>
+          <a:bodyPr rtlCol="0" anchor="ctr"/>
+          <a:lstStyle/>
+          <a:p>
+            <a:pPr algn="ctr"/>
+            <a:r>
+              <a:rPr lang="en-US" dirty="0" smtClean="0">
+                <a:latin typeface="Source Sans Pro"/>
+                <a:cs typeface="Source Sans Pro"/>
+              </a:rPr>
+              <a:t>Hardware</a:t>
+            </a:r>
+            <a:endParaRPr lang="en-US" dirty="0">
+              <a:latin typeface="Source Sans Pro"/>
+              <a:cs typeface="Source Sans Pro"/>
+            </a:endParaRPr>
+          </a:p>
+        </p:txBody>
+      </p:sp>
+      <p:sp>
+        <p:nvSpPr>
+          <p:cNvPr id="48" name="Rectangle 47"/>
+          <p:cNvSpPr/>
+          <p:nvPr/>
+        </p:nvSpPr>
+        <p:spPr>
+          <a:xfrm>
+            <a:off x="67824" y="3458627"/>
+            <a:ext cx="1714500" cy="330200"/>
+          </a:xfrm>
+          <a:prstGeom prst="rect">
+            <a:avLst/>
+          </a:prstGeom>
+          <a:solidFill>
+            <a:srgbClr val="3D84C7"/>
+          </a:solidFill>
+          <a:ln>
+            <a:noFill/>
+          </a:ln>
+          <a:effectLst/>
+        </p:spPr>
+        <p:style>
+          <a:lnRef idx="1">
+            <a:schemeClr val="accent1"/>
+          </a:lnRef>
+          <a:fillRef idx="3">
+            <a:schemeClr val="accent1"/>
+          </a:fillRef>
+          <a:effectRef idx="2">
+            <a:schemeClr val="accent1"/>
+          </a:effectRef>
+          <a:fontRef idx="minor">
+            <a:schemeClr val="lt1"/>
+          </a:fontRef>
+        </p:style>
+        <p:txBody>
+          <a:bodyPr rtlCol="0" anchor="ctr"/>
+          <a:lstStyle/>
+          <a:p>
+            <a:pPr algn="ctr"/>
+            <a:r>
+              <a:rPr lang="en-US" dirty="0" smtClean="0">
+                <a:latin typeface="Source Sans Pro"/>
+                <a:cs typeface="Source Sans Pro"/>
+              </a:rPr>
+              <a:t>Microkernel</a:t>
+            </a:r>
+            <a:endParaRPr lang="en-US" dirty="0">
+              <a:latin typeface="Source Sans Pro"/>
+              <a:cs typeface="Source Sans Pro"/>
+            </a:endParaRPr>
+          </a:p>
+        </p:txBody>
+      </p:sp>
+      <p:sp>
+        <p:nvSpPr>
+          <p:cNvPr id="49" name="Rectangle 48"/>
+          <p:cNvSpPr/>
+          <p:nvPr/>
+        </p:nvSpPr>
+        <p:spPr>
+          <a:xfrm>
+            <a:off x="75231" y="2336832"/>
+            <a:ext cx="815976" cy="596900"/>
+          </a:xfrm>
+          <a:prstGeom prst="rect">
+            <a:avLst/>
+          </a:prstGeom>
+          <a:solidFill>
+            <a:srgbClr val="95CEE8"/>
+          </a:solidFill>
+          <a:ln>
+            <a:noFill/>
+          </a:ln>
+          <a:effectLst/>
+        </p:spPr>
+        <p:style>
+          <a:lnRef idx="1">
+            <a:schemeClr val="accent1"/>
+          </a:lnRef>
+          <a:fillRef idx="3">
+            <a:schemeClr val="accent1"/>
+          </a:fillRef>
+          <a:effectRef idx="2">
+            <a:schemeClr val="accent1"/>
+          </a:effectRef>
+          <a:fontRef idx="minor">
+            <a:schemeClr val="lt1"/>
+          </a:fontRef>
+        </p:style>
+        <p:txBody>
+          <a:bodyPr rtlCol="0" anchor="ctr"/>
+          <a:lstStyle/>
+          <a:p>
+            <a:pPr algn="ctr"/>
+            <a:r>
+              <a:rPr lang="en-US" dirty="0" smtClean="0">
+                <a:solidFill>
+                  <a:schemeClr val="tx1">
+                    <a:lumMod val="65000"/>
+                    <a:lumOff val="35000"/>
+                  </a:schemeClr>
+                </a:solidFill>
+                <a:latin typeface="Source Sans Pro"/>
+                <a:cs typeface="Source Sans Pro"/>
+              </a:rPr>
+              <a:t>Bins/Libs</a:t>
+            </a:r>
+            <a:endParaRPr lang="en-US" dirty="0">
+              <a:solidFill>
+                <a:schemeClr val="tx1">
+                  <a:lumMod val="65000"/>
+                  <a:lumOff val="35000"/>
+                </a:schemeClr>
+              </a:solidFill>
+              <a:latin typeface="Source Sans Pro"/>
+              <a:cs typeface="Source Sans Pro"/>
+            </a:endParaRPr>
+          </a:p>
+        </p:txBody>
+      </p:sp>
+      <p:sp>
+        <p:nvSpPr>
+          <p:cNvPr id="50" name="Rectangle 49"/>
+          <p:cNvSpPr/>
+          <p:nvPr/>
+        </p:nvSpPr>
+        <p:spPr>
+          <a:xfrm>
+            <a:off x="75231" y="1866932"/>
+            <a:ext cx="812801" cy="419100"/>
+          </a:xfrm>
+          <a:prstGeom prst="rect">
+            <a:avLst/>
+          </a:prstGeom>
+          <a:solidFill>
+            <a:srgbClr val="95CEE8"/>
+          </a:solidFill>
+          <a:ln>
+            <a:noFill/>
+          </a:ln>
+          <a:effectLst/>
+        </p:spPr>
+        <p:style>
+          <a:lnRef idx="1">
+            <a:schemeClr val="accent1"/>
+          </a:lnRef>
+          <a:fillRef idx="3">
+            <a:schemeClr val="accent1"/>
+          </a:fillRef>
+          <a:effectRef idx="2">
+            <a:schemeClr val="accent1"/>
+          </a:effectRef>
+          <a:fontRef idx="minor">
+            <a:schemeClr val="lt1"/>
+          </a:fontRef>
+        </p:style>
+        <p:txBody>
+          <a:bodyPr rtlCol="0" anchor="ctr"/>
+          <a:lstStyle/>
+          <a:p>
+            <a:pPr algn="ctr"/>
+            <a:r>
+              <a:rPr lang="en-US" dirty="0" smtClean="0">
+                <a:solidFill>
+                  <a:schemeClr val="tx1">
+                    <a:lumMod val="65000"/>
+                    <a:lumOff val="35000"/>
+                  </a:schemeClr>
+                </a:solidFill>
+                <a:latin typeface="Source Sans Pro"/>
+                <a:cs typeface="Source Sans Pro"/>
+              </a:rPr>
+              <a:t>App A</a:t>
+            </a:r>
+            <a:endParaRPr lang="en-US" dirty="0">
+              <a:solidFill>
+                <a:schemeClr val="tx1">
+                  <a:lumMod val="65000"/>
+                  <a:lumOff val="35000"/>
+                </a:schemeClr>
+              </a:solidFill>
+              <a:latin typeface="Source Sans Pro"/>
+              <a:cs typeface="Source Sans Pro"/>
+            </a:endParaRPr>
+          </a:p>
+        </p:txBody>
+      </p:sp>
+      <p:sp>
+        <p:nvSpPr>
+          <p:cNvPr id="51" name="Rectangle 50"/>
+          <p:cNvSpPr/>
+          <p:nvPr/>
+        </p:nvSpPr>
+        <p:spPr>
+          <a:xfrm>
+            <a:off x="72057" y="1866932"/>
+            <a:ext cx="812800" cy="1075273"/>
+          </a:xfrm>
+          <a:prstGeom prst="rect">
+            <a:avLst/>
+          </a:prstGeom>
+          <a:noFill/>
+          <a:ln>
+            <a:solidFill>
+              <a:schemeClr val="tx1">
+                <a:lumMod val="75000"/>
+                <a:lumOff val="25000"/>
+              </a:schemeClr>
+            </a:solidFill>
+          </a:ln>
+          <a:effectLst/>
+        </p:spPr>
+        <p:style>
+          <a:lnRef idx="1">
+            <a:schemeClr val="accent1"/>
+          </a:lnRef>
+          <a:fillRef idx="3">
+            <a:schemeClr val="accent1"/>
+          </a:fillRef>
+          <a:effectRef idx="2">
+            <a:schemeClr val="accent1"/>
+          </a:effectRef>
+          <a:fontRef idx="minor">
+            <a:schemeClr val="lt1"/>
+          </a:fontRef>
+        </p:style>
+        <p:txBody>
+          <a:bodyPr rtlCol="0" anchor="ctr"/>
+          <a:lstStyle/>
+          <a:p>
+            <a:pPr algn="ctr"/>
+            <a:endParaRPr lang="en-US"/>
+          </a:p>
+        </p:txBody>
+      </p:sp>
+      <p:sp>
+        <p:nvSpPr>
+          <p:cNvPr id="52" name="Rectangle 51"/>
+          <p:cNvSpPr/>
+          <p:nvPr/>
+        </p:nvSpPr>
+        <p:spPr>
+          <a:xfrm>
+            <a:off x="955793" y="2336826"/>
+            <a:ext cx="815976" cy="596900"/>
+          </a:xfrm>
+          <a:prstGeom prst="rect">
+            <a:avLst/>
+          </a:prstGeom>
+          <a:solidFill>
+            <a:srgbClr val="95CEE8"/>
+          </a:solidFill>
+          <a:ln>
+            <a:noFill/>
+          </a:ln>
+          <a:effectLst/>
+        </p:spPr>
+        <p:style>
+          <a:lnRef idx="1">
+            <a:schemeClr val="accent1"/>
+          </a:lnRef>
+          <a:fillRef idx="3">
+            <a:schemeClr val="accent1"/>
+          </a:fillRef>
+          <a:effectRef idx="2">
+            <a:schemeClr val="accent1"/>
+          </a:effectRef>
+          <a:fontRef idx="minor">
+            <a:schemeClr val="lt1"/>
+          </a:fontRef>
+        </p:style>
+        <p:txBody>
+          <a:bodyPr rtlCol="0" anchor="ctr"/>
+          <a:lstStyle/>
+          <a:p>
+            <a:pPr algn="ctr"/>
+            <a:r>
+              <a:rPr lang="en-US" dirty="0" smtClean="0">
+                <a:solidFill>
+                  <a:schemeClr val="tx1">
+                    <a:lumMod val="65000"/>
+                    <a:lumOff val="35000"/>
+                  </a:schemeClr>
+                </a:solidFill>
+                <a:latin typeface="Source Sans Pro"/>
+                <a:cs typeface="Source Sans Pro"/>
+              </a:rPr>
+              <a:t>Bins/Libs</a:t>
+            </a:r>
+            <a:endParaRPr lang="en-US" dirty="0">
+              <a:solidFill>
+                <a:schemeClr val="tx1">
+                  <a:lumMod val="65000"/>
+                  <a:lumOff val="35000"/>
+                </a:schemeClr>
+              </a:solidFill>
+              <a:latin typeface="Source Sans Pro"/>
+              <a:cs typeface="Source Sans Pro"/>
+            </a:endParaRPr>
+          </a:p>
+        </p:txBody>
+      </p:sp>
+      <p:sp>
+        <p:nvSpPr>
+          <p:cNvPr id="53" name="Rectangle 52"/>
+          <p:cNvSpPr/>
+          <p:nvPr/>
+        </p:nvSpPr>
+        <p:spPr>
+          <a:xfrm>
+            <a:off x="955793" y="1866926"/>
+            <a:ext cx="812801" cy="419100"/>
+          </a:xfrm>
+          <a:prstGeom prst="rect">
+            <a:avLst/>
+          </a:prstGeom>
+          <a:solidFill>
+            <a:srgbClr val="95CEE8"/>
+          </a:solidFill>
+          <a:ln>
+            <a:noFill/>
+          </a:ln>
+          <a:effectLst/>
+        </p:spPr>
+        <p:style>
+          <a:lnRef idx="1">
+            <a:schemeClr val="accent1"/>
+          </a:lnRef>
+          <a:fillRef idx="3">
+            <a:schemeClr val="accent1"/>
+          </a:fillRef>
+          <a:effectRef idx="2">
+            <a:schemeClr val="accent1"/>
+          </a:effectRef>
+          <a:fontRef idx="minor">
+            <a:schemeClr val="lt1"/>
+          </a:fontRef>
+        </p:style>
+        <p:txBody>
+          <a:bodyPr rtlCol="0" anchor="ctr"/>
+          <a:lstStyle/>
+          <a:p>
+            <a:pPr algn="ctr"/>
+            <a:r>
+              <a:rPr lang="en-US" dirty="0" smtClean="0">
+                <a:solidFill>
+                  <a:schemeClr val="tx1">
+                    <a:lumMod val="65000"/>
+                    <a:lumOff val="35000"/>
+                  </a:schemeClr>
+                </a:solidFill>
+                <a:latin typeface="Source Sans Pro"/>
+                <a:cs typeface="Source Sans Pro"/>
+              </a:rPr>
+              <a:t>App B</a:t>
+            </a:r>
+            <a:endParaRPr lang="en-US" dirty="0">
+              <a:solidFill>
+                <a:schemeClr val="tx1">
+                  <a:lumMod val="65000"/>
+                  <a:lumOff val="35000"/>
+                </a:schemeClr>
+              </a:solidFill>
+              <a:latin typeface="Source Sans Pro"/>
+              <a:cs typeface="Source Sans Pro"/>
+            </a:endParaRPr>
+          </a:p>
+        </p:txBody>
+      </p:sp>
+      <p:sp>
+        <p:nvSpPr>
+          <p:cNvPr id="54" name="Rectangle 53"/>
+          <p:cNvSpPr/>
+          <p:nvPr/>
+        </p:nvSpPr>
+        <p:spPr>
+          <a:xfrm>
+            <a:off x="952619" y="1866926"/>
+            <a:ext cx="812800" cy="1075279"/>
+          </a:xfrm>
+          <a:prstGeom prst="rect">
+            <a:avLst/>
+          </a:prstGeom>
+          <a:noFill/>
+          <a:ln>
+            <a:solidFill>
+              <a:schemeClr val="tx1">
+                <a:lumMod val="75000"/>
+                <a:lumOff val="25000"/>
+              </a:schemeClr>
+            </a:solidFill>
+          </a:ln>
+          <a:effectLst/>
+        </p:spPr>
+        <p:style>
+          <a:lnRef idx="1">
+            <a:schemeClr val="accent1"/>
+          </a:lnRef>
+          <a:fillRef idx="3">
+            <a:schemeClr val="accent1"/>
+          </a:fillRef>
+          <a:effectRef idx="2">
+            <a:schemeClr val="accent1"/>
+          </a:effectRef>
+          <a:fontRef idx="minor">
+            <a:schemeClr val="lt1"/>
+          </a:fontRef>
+        </p:style>
+        <p:txBody>
+          <a:bodyPr rtlCol="0" anchor="ctr"/>
+          <a:lstStyle/>
+          <a:p>
+            <a:pPr algn="ctr"/>
+            <a:endParaRPr lang="en-US"/>
+          </a:p>
+        </p:txBody>
+      </p:sp>
+      <p:sp>
+        <p:nvSpPr>
+          <p:cNvPr id="56" name="Rectangle 55"/>
+          <p:cNvSpPr/>
+          <p:nvPr/>
+        </p:nvSpPr>
+        <p:spPr>
+          <a:xfrm>
+            <a:off x="80524" y="2997200"/>
+            <a:ext cx="1714500" cy="410627"/>
+          </a:xfrm>
+          <a:prstGeom prst="rect">
+            <a:avLst/>
+          </a:prstGeom>
+          <a:solidFill>
+            <a:srgbClr val="95CEE8"/>
+          </a:solidFill>
+          <a:ln>
+            <a:noFill/>
+          </a:ln>
+          <a:effectLst/>
+        </p:spPr>
+        <p:style>
+          <a:lnRef idx="1">
+            <a:schemeClr val="accent1"/>
+          </a:lnRef>
+          <a:fillRef idx="3">
+            <a:schemeClr val="accent1"/>
+          </a:fillRef>
+          <a:effectRef idx="2">
+            <a:schemeClr val="accent1"/>
+          </a:effectRef>
+          <a:fontRef idx="minor">
+            <a:schemeClr val="lt1"/>
+          </a:fontRef>
+        </p:style>
+        <p:txBody>
+          <a:bodyPr rtlCol="0" anchor="ctr"/>
+          <a:lstStyle/>
+          <a:p>
+            <a:pPr algn="ctr"/>
+            <a:r>
+              <a:rPr lang="en-US" dirty="0" smtClean="0">
+                <a:solidFill>
+                  <a:srgbClr val="595959"/>
+                </a:solidFill>
+                <a:latin typeface="Source Sans Pro"/>
+                <a:cs typeface="Source Sans Pro"/>
+              </a:rPr>
+              <a:t>OS Services</a:t>
+            </a:r>
+            <a:endParaRPr lang="en-US" dirty="0">
+              <a:solidFill>
+                <a:srgbClr val="595959"/>
+              </a:solidFill>
+              <a:latin typeface="Source Sans Pro"/>
+              <a:cs typeface="Source Sans Pro"/>
+            </a:endParaRPr>
+          </a:p>
+        </p:txBody>
+      </p:sp>
+      <p:sp>
+        <p:nvSpPr>
+          <p:cNvPr id="58" name="TextBox 57"/>
+          <p:cNvSpPr txBox="1"/>
+          <p:nvPr/>
+        </p:nvSpPr>
+        <p:spPr>
+          <a:xfrm>
+            <a:off x="139700" y="4267200"/>
+            <a:ext cx="1415772" cy="369332"/>
+          </a:xfrm>
+          <a:prstGeom prst="rect">
+            <a:avLst/>
+          </a:prstGeom>
+          <a:noFill/>
         </p:spPr>
         <p:txBody>
-          <a:bodyPr>
+          <a:bodyPr wrap="none" rtlCol="0">
             <a:spAutoFit/>
           </a:bodyPr>
           <a:lstStyle/>
           <a:p>
-            <a:pPr algn="ctr">
-              <a:spcBef>
-                <a:spcPct val="50000"/>
-              </a:spcBef>
-              <a:defRPr/>
-            </a:pPr>
-            <a:r>
-              <a:rPr lang="en-US">
-                <a:solidFill>
-                  <a:schemeClr val="bg1"/>
-                </a:solidFill>
-                <a:cs typeface="+mn-cs"/>
+            <a:r>
+              <a:rPr lang="en-US" dirty="0" smtClean="0">
+                <a:latin typeface="Source Sans Pro"/>
+                <a:cs typeface="Source Sans Pro"/>
               </a:rPr>
-              <a:t>Full Virtualization</a:t>
-            </a:r>
+              <a:t>Microkernels</a:t>
+            </a:r>
+            <a:endParaRPr lang="en-US" dirty="0">
+              <a:latin typeface="Source Sans Pro"/>
+              <a:cs typeface="Source Sans Pro"/>
+            </a:endParaRPr>
           </a:p>
         </p:txBody>
       </p:sp>
+      <p:sp>
+        <p:nvSpPr>
+          <p:cNvPr id="59" name="TextBox 58"/>
+          <p:cNvSpPr txBox="1"/>
+          <p:nvPr/>
+        </p:nvSpPr>
+        <p:spPr>
+          <a:xfrm>
+            <a:off x="2819400" y="4279900"/>
+            <a:ext cx="1717392" cy="369332"/>
+          </a:xfrm>
+          <a:prstGeom prst="rect">
+            <a:avLst/>
+          </a:prstGeom>
+          <a:noFill/>
+        </p:spPr>
+        <p:txBody>
+          <a:bodyPr wrap="none" rtlCol="0">
+            <a:spAutoFit/>
+          </a:bodyPr>
+          <a:lstStyle/>
+          <a:p>
+            <a:r>
+              <a:rPr lang="en-US" dirty="0" smtClean="0">
+                <a:latin typeface="Source Sans Pro"/>
+                <a:cs typeface="Source Sans Pro"/>
+              </a:rPr>
+              <a:t>Extensible </a:t>
+            </a:r>
+            <a:r>
+              <a:rPr lang="en-US" dirty="0" err="1" smtClean="0">
+                <a:latin typeface="Source Sans Pro"/>
+                <a:cs typeface="Source Sans Pro"/>
+              </a:rPr>
+              <a:t>OSes</a:t>
+            </a:r>
+            <a:endParaRPr lang="en-US" dirty="0">
+              <a:latin typeface="Source Sans Pro"/>
+              <a:cs typeface="Source Sans Pro"/>
+            </a:endParaRPr>
+          </a:p>
+        </p:txBody>
+      </p:sp>
+      <p:sp>
+        <p:nvSpPr>
+          <p:cNvPr id="60" name="TextBox 59"/>
+          <p:cNvSpPr txBox="1"/>
+          <p:nvPr/>
+        </p:nvSpPr>
+        <p:spPr>
+          <a:xfrm>
+            <a:off x="6146800" y="4279900"/>
+            <a:ext cx="568078" cy="369332"/>
+          </a:xfrm>
+          <a:prstGeom prst="rect">
+            <a:avLst/>
+          </a:prstGeom>
+          <a:noFill/>
+        </p:spPr>
+        <p:txBody>
+          <a:bodyPr wrap="none" rtlCol="0">
+            <a:spAutoFit/>
+          </a:bodyPr>
+          <a:lstStyle/>
+          <a:p>
+            <a:r>
+              <a:rPr lang="en-US" dirty="0" smtClean="0">
+                <a:latin typeface="Source Sans Pro"/>
+                <a:cs typeface="Source Sans Pro"/>
+              </a:rPr>
+              <a:t>VMs</a:t>
+            </a:r>
+            <a:endParaRPr lang="en-US" dirty="0">
+              <a:latin typeface="Source Sans Pro"/>
+              <a:cs typeface="Source Sans Pro"/>
+            </a:endParaRPr>
+          </a:p>
+        </p:txBody>
+      </p:sp>
+      <p:sp>
+        <p:nvSpPr>
+          <p:cNvPr id="61" name="TextBox 60"/>
+          <p:cNvSpPr txBox="1"/>
+          <p:nvPr/>
+        </p:nvSpPr>
+        <p:spPr>
+          <a:xfrm>
+            <a:off x="7658100" y="4267200"/>
+            <a:ext cx="1238415" cy="369332"/>
+          </a:xfrm>
+          <a:prstGeom prst="rect">
+            <a:avLst/>
+          </a:prstGeom>
+          <a:noFill/>
+        </p:spPr>
+        <p:txBody>
+          <a:bodyPr wrap="none" rtlCol="0">
+            <a:spAutoFit/>
+          </a:bodyPr>
+          <a:lstStyle/>
+          <a:p>
+            <a:r>
+              <a:rPr lang="en-US" dirty="0" smtClean="0">
+                <a:latin typeface="Source Sans Pro"/>
+                <a:cs typeface="Source Sans Pro"/>
+              </a:rPr>
+              <a:t>Containers</a:t>
+            </a:r>
+            <a:endParaRPr lang="en-US" dirty="0">
+              <a:latin typeface="Source Sans Pro"/>
+              <a:cs typeface="Source Sans Pro"/>
+            </a:endParaRPr>
+          </a:p>
+        </p:txBody>
+      </p:sp>
+      <p:cxnSp>
+        <p:nvCxnSpPr>
+          <p:cNvPr id="63" name="Straight Connector 62"/>
+          <p:cNvCxnSpPr/>
+          <p:nvPr/>
+        </p:nvCxnSpPr>
+        <p:spPr>
+          <a:xfrm flipH="1">
+            <a:off x="1841500" y="1346200"/>
+            <a:ext cx="12700" cy="3251200"/>
+          </a:xfrm>
+          <a:prstGeom prst="line">
+            <a:avLst/>
+          </a:prstGeom>
+          <a:ln w="12700">
+            <a:solidFill>
+              <a:srgbClr val="404040"/>
+            </a:solidFill>
+            <a:prstDash val="dash"/>
+          </a:ln>
+          <a:effectLst/>
+        </p:spPr>
+        <p:style>
+          <a:lnRef idx="2">
+            <a:schemeClr val="accent1"/>
+          </a:lnRef>
+          <a:fillRef idx="0">
+            <a:schemeClr val="accent1"/>
+          </a:fillRef>
+          <a:effectRef idx="1">
+            <a:schemeClr val="accent1"/>
+          </a:effectRef>
+          <a:fontRef idx="minor">
+            <a:schemeClr val="tx1"/>
+          </a:fontRef>
+        </p:style>
+      </p:cxnSp>
+      <p:cxnSp>
+        <p:nvCxnSpPr>
+          <p:cNvPr id="64" name="Straight Connector 63"/>
+          <p:cNvCxnSpPr/>
+          <p:nvPr/>
+        </p:nvCxnSpPr>
+        <p:spPr>
+          <a:xfrm flipH="1">
+            <a:off x="5473700" y="1358900"/>
+            <a:ext cx="12700" cy="3251200"/>
+          </a:xfrm>
+          <a:prstGeom prst="line">
+            <a:avLst/>
+          </a:prstGeom>
+          <a:ln w="12700">
+            <a:solidFill>
+              <a:srgbClr val="404040"/>
+            </a:solidFill>
+            <a:prstDash val="dash"/>
+          </a:ln>
+          <a:effectLst/>
+        </p:spPr>
+        <p:style>
+          <a:lnRef idx="2">
+            <a:schemeClr val="accent1"/>
+          </a:lnRef>
+          <a:fillRef idx="0">
+            <a:schemeClr val="accent1"/>
+          </a:fillRef>
+          <a:effectRef idx="1">
+            <a:schemeClr val="accent1"/>
+          </a:effectRef>
+          <a:fontRef idx="minor">
+            <a:schemeClr val="tx1"/>
+          </a:fontRef>
+        </p:style>
+      </p:cxnSp>
+      <p:cxnSp>
+        <p:nvCxnSpPr>
+          <p:cNvPr id="65" name="Straight Connector 64"/>
+          <p:cNvCxnSpPr/>
+          <p:nvPr/>
+        </p:nvCxnSpPr>
+        <p:spPr>
+          <a:xfrm flipH="1">
+            <a:off x="7328478" y="1358900"/>
+            <a:ext cx="11545" cy="3251200"/>
+          </a:xfrm>
+          <a:prstGeom prst="line">
+            <a:avLst/>
+          </a:prstGeom>
+          <a:ln w="12700">
+            <a:solidFill>
+              <a:srgbClr val="404040"/>
+            </a:solidFill>
+            <a:prstDash val="dash"/>
+          </a:ln>
+          <a:effectLst/>
+        </p:spPr>
+        <p:style>
+          <a:lnRef idx="2">
+            <a:schemeClr val="accent1"/>
+          </a:lnRef>
+          <a:fillRef idx="0">
+            <a:schemeClr val="accent1"/>
+          </a:fillRef>
+          <a:effectRef idx="1">
+            <a:schemeClr val="accent1"/>
+          </a:effectRef>
+          <a:fontRef idx="minor">
+            <a:schemeClr val="tx1"/>
+          </a:fontRef>
+        </p:style>
+      </p:cxnSp>
     </p:spTree>
     <p:extLst>
       <p:ext uri="{BB962C8B-B14F-4D97-AF65-F5344CB8AC3E}">
-        <p14:creationId xmlns:p14="http://schemas.microsoft.com/office/powerpoint/2010/main" val="535101477"/>
+        <p14:creationId xmlns:p14="http://schemas.microsoft.com/office/powerpoint/2010/main" val="2524853020"/>
       </p:ext>
     </p:extLst>
   </p:cSld>
